--- a/slides/presentazione 28-05-19.pptx
+++ b/slides/presentazione 28-05-19.pptx
@@ -5,7 +5,7 @@
     <p:sldMasterId id="2147483648" r:id="rId1"/>
   </p:sldMasterIdLst>
   <p:notesMasterIdLst>
-    <p:notesMasterId r:id="rId16"/>
+    <p:notesMasterId r:id="rId19"/>
   </p:notesMasterIdLst>
   <p:sldIdLst>
     <p:sldId id="256" r:id="rId2"/>
@@ -15,13 +15,16 @@
     <p:sldId id="291" r:id="rId6"/>
     <p:sldId id="292" r:id="rId7"/>
     <p:sldId id="285" r:id="rId8"/>
-    <p:sldId id="263" r:id="rId9"/>
-    <p:sldId id="284" r:id="rId10"/>
-    <p:sldId id="287" r:id="rId11"/>
-    <p:sldId id="282" r:id="rId12"/>
-    <p:sldId id="288" r:id="rId13"/>
-    <p:sldId id="286" r:id="rId14"/>
-    <p:sldId id="289" r:id="rId15"/>
+    <p:sldId id="293" r:id="rId9"/>
+    <p:sldId id="263" r:id="rId10"/>
+    <p:sldId id="284" r:id="rId11"/>
+    <p:sldId id="287" r:id="rId12"/>
+    <p:sldId id="282" r:id="rId13"/>
+    <p:sldId id="288" r:id="rId14"/>
+    <p:sldId id="294" r:id="rId15"/>
+    <p:sldId id="286" r:id="rId16"/>
+    <p:sldId id="289" r:id="rId17"/>
+    <p:sldId id="295" r:id="rId18"/>
   </p:sldIdLst>
   <p:sldSz cx="9144000" cy="6858000" type="screen4x3"/>
   <p:notesSz cx="6858000" cy="9144000"/>
@@ -221,7 +224,7 @@
           <a:p>
             <a:fld id="{C2DA5780-C903-4978-8C5C-CC56200581D3}" type="datetimeFigureOut">
               <a:rPr lang="en-US" smtClean="0"/>
-              <a:t>5/27/2019</a:t>
+              <a:t>5/28/2019</a:t>
             </a:fld>
             <a:endParaRPr lang="en-US" dirty="0"/>
           </a:p>
@@ -573,6 +576,90 @@
 </p:notes>
 </file>
 
+<file path=ppt/notesSlides/notesSlide10.xml><?xml version="1.0" encoding="utf-8"?>
+<p:notes xmlns:a="http://schemas.openxmlformats.org/drawingml/2006/main" xmlns:r="http://schemas.openxmlformats.org/officeDocument/2006/relationships" xmlns:p="http://schemas.openxmlformats.org/presentationml/2006/main">
+  <p:cSld>
+    <p:spTree>
+      <p:nvGrpSpPr>
+        <p:cNvPr id="1" name=""/>
+        <p:cNvGrpSpPr/>
+        <p:nvPr/>
+      </p:nvGrpSpPr>
+      <p:grpSpPr>
+        <a:xfrm>
+          <a:off x="0" y="0"/>
+          <a:ext cx="0" cy="0"/>
+          <a:chOff x="0" y="0"/>
+          <a:chExt cx="0" cy="0"/>
+        </a:xfrm>
+      </p:grpSpPr>
+      <p:sp>
+        <p:nvSpPr>
+          <p:cNvPr id="2" name="Segnaposto immagine diapositiva 1"/>
+          <p:cNvSpPr>
+            <a:spLocks noGrp="1" noRot="1" noChangeAspect="1"/>
+          </p:cNvSpPr>
+          <p:nvPr>
+            <p:ph type="sldImg"/>
+          </p:nvPr>
+        </p:nvSpPr>
+        <p:spPr/>
+      </p:sp>
+      <p:sp>
+        <p:nvSpPr>
+          <p:cNvPr id="3" name="Segnaposto note 2"/>
+          <p:cNvSpPr>
+            <a:spLocks noGrp="1"/>
+          </p:cNvSpPr>
+          <p:nvPr>
+            <p:ph type="body" idx="1"/>
+          </p:nvPr>
+        </p:nvSpPr>
+        <p:spPr/>
+        <p:txBody>
+          <a:bodyPr/>
+          <a:lstStyle/>
+          <a:p>
+            <a:endParaRPr lang="en-US" dirty="0"/>
+          </a:p>
+        </p:txBody>
+      </p:sp>
+      <p:sp>
+        <p:nvSpPr>
+          <p:cNvPr id="4" name="Segnaposto numero diapositiva 3"/>
+          <p:cNvSpPr>
+            <a:spLocks noGrp="1"/>
+          </p:cNvSpPr>
+          <p:nvPr>
+            <p:ph type="sldNum" sz="quarter" idx="5"/>
+          </p:nvPr>
+        </p:nvSpPr>
+        <p:spPr/>
+        <p:txBody>
+          <a:bodyPr/>
+          <a:lstStyle/>
+          <a:p>
+            <a:fld id="{C40395BB-575F-4B8D-BDB5-1D314BA51C2E}" type="slidenum">
+              <a:rPr lang="en-US" smtClean="0"/>
+              <a:t>17</a:t>
+            </a:fld>
+            <a:endParaRPr lang="en-US" dirty="0"/>
+          </a:p>
+        </p:txBody>
+      </p:sp>
+    </p:spTree>
+    <p:extLst>
+      <p:ext uri="{BB962C8B-B14F-4D97-AF65-F5344CB8AC3E}">
+        <p14:creationId xmlns:p14="http://schemas.microsoft.com/office/powerpoint/2010/main" val="449043174"/>
+      </p:ext>
+    </p:extLst>
+  </p:cSld>
+  <p:clrMapOvr>
+    <a:masterClrMapping/>
+  </p:clrMapOvr>
+</p:notes>
+</file>
+
 <file path=ppt/notesSlides/notesSlide2.xml><?xml version="1.0" encoding="utf-8"?>
 <p:notes xmlns:a="http://schemas.openxmlformats.org/drawingml/2006/main" xmlns:r="http://schemas.openxmlformats.org/officeDocument/2006/relationships" xmlns:p="http://schemas.openxmlformats.org/presentationml/2006/main">
   <p:cSld>
@@ -617,10 +704,6 @@
           <a:bodyPr/>
           <a:lstStyle/>
           <a:p>
-            <a:r>
-              <a:rPr lang="it-IT" dirty="0"/>
-              <a:t>NOTA: dire che il migliore è il più vicino all’origine vuol dire minimizzare J = MSE^2 + TIME^2 -&gt;Hanno lo stesso peso</a:t>
-            </a:r>
             <a:endParaRPr lang="en-US" dirty="0"/>
           </a:p>
         </p:txBody>
@@ -642,7 +725,7 @@
           <a:p>
             <a:fld id="{C40395BB-575F-4B8D-BDB5-1D314BA51C2E}" type="slidenum">
               <a:rPr lang="en-US" smtClean="0"/>
-              <a:t>10</a:t>
+              <a:t>8</a:t>
             </a:fld>
             <a:endParaRPr lang="en-US" dirty="0"/>
           </a:p>
@@ -651,7 +734,7 @@
     </p:spTree>
     <p:extLst>
       <p:ext uri="{BB962C8B-B14F-4D97-AF65-F5344CB8AC3E}">
-        <p14:creationId xmlns:p14="http://schemas.microsoft.com/office/powerpoint/2010/main" val="2948901991"/>
+        <p14:creationId xmlns:p14="http://schemas.microsoft.com/office/powerpoint/2010/main" val="2708866841"/>
       </p:ext>
     </p:extLst>
   </p:cSld>
@@ -726,7 +809,7 @@
           <a:p>
             <a:fld id="{C40395BB-575F-4B8D-BDB5-1D314BA51C2E}" type="slidenum">
               <a:rPr lang="en-US" smtClean="0"/>
-              <a:t>11</a:t>
+              <a:t>10</a:t>
             </a:fld>
             <a:endParaRPr lang="en-US" dirty="0"/>
           </a:p>
@@ -735,7 +818,7 @@
     </p:spTree>
     <p:extLst>
       <p:ext uri="{BB962C8B-B14F-4D97-AF65-F5344CB8AC3E}">
-        <p14:creationId xmlns:p14="http://schemas.microsoft.com/office/powerpoint/2010/main" val="195226968"/>
+        <p14:creationId xmlns:p14="http://schemas.microsoft.com/office/powerpoint/2010/main" val="826183081"/>
       </p:ext>
     </p:extLst>
   </p:cSld>
@@ -789,6 +872,10 @@
           <a:bodyPr/>
           <a:lstStyle/>
           <a:p>
+            <a:r>
+              <a:rPr lang="it-IT" dirty="0"/>
+              <a:t>NOTA: dire che il migliore è il più vicino all’origine vuol dire minimizzare J = MSE^2 + TIME^2 -&gt;Hanno lo stesso peso</a:t>
+            </a:r>
             <a:endParaRPr lang="en-US" dirty="0"/>
           </a:p>
         </p:txBody>
@@ -810,7 +897,7 @@
           <a:p>
             <a:fld id="{C40395BB-575F-4B8D-BDB5-1D314BA51C2E}" type="slidenum">
               <a:rPr lang="en-US" smtClean="0"/>
-              <a:t>12</a:t>
+              <a:t>11</a:t>
             </a:fld>
             <a:endParaRPr lang="en-US" dirty="0"/>
           </a:p>
@@ -819,7 +906,7 @@
     </p:spTree>
     <p:extLst>
       <p:ext uri="{BB962C8B-B14F-4D97-AF65-F5344CB8AC3E}">
-        <p14:creationId xmlns:p14="http://schemas.microsoft.com/office/powerpoint/2010/main" val="4203504993"/>
+        <p14:creationId xmlns:p14="http://schemas.microsoft.com/office/powerpoint/2010/main" val="2948901991"/>
       </p:ext>
     </p:extLst>
   </p:cSld>
@@ -873,49 +960,6 @@
           <a:bodyPr/>
           <a:lstStyle/>
           <a:p>
-            <a:r>
-              <a:rPr lang="it-IT" dirty="0"/>
-              <a:t>RBF: out of </a:t>
-            </a:r>
-            <a:r>
-              <a:rPr lang="it-IT" dirty="0" err="1"/>
-              <a:t>memory</a:t>
-            </a:r>
-            <a:r>
-              <a:rPr lang="it-IT" dirty="0"/>
-              <a:t> </a:t>
-            </a:r>
-            <a:r>
-              <a:rPr lang="it-IT" dirty="0" err="1"/>
-              <a:t>error</a:t>
-            </a:r>
-            <a:endParaRPr lang="it-IT" dirty="0"/>
-          </a:p>
-          <a:p>
-            <a:r>
-              <a:rPr lang="it-IT" dirty="0" err="1"/>
-              <a:t>Kriging</a:t>
-            </a:r>
-            <a:r>
-              <a:rPr lang="it-IT" dirty="0"/>
-              <a:t>: out of </a:t>
-            </a:r>
-            <a:r>
-              <a:rPr lang="it-IT" dirty="0" err="1"/>
-              <a:t>memory</a:t>
-            </a:r>
-            <a:r>
-              <a:rPr lang="it-IT" dirty="0"/>
-              <a:t> </a:t>
-            </a:r>
-            <a:r>
-              <a:rPr lang="it-IT" dirty="0" err="1"/>
-              <a:t>error</a:t>
-            </a:r>
-            <a:r>
-              <a:rPr lang="it-IT" dirty="0"/>
-              <a:t> possibile e tempo di esecuzione dell’ordine delle ore</a:t>
-            </a:r>
             <a:endParaRPr lang="en-US" dirty="0"/>
           </a:p>
         </p:txBody>
@@ -937,7 +981,7 @@
           <a:p>
             <a:fld id="{C40395BB-575F-4B8D-BDB5-1D314BA51C2E}" type="slidenum">
               <a:rPr lang="en-US" smtClean="0"/>
-              <a:t>13</a:t>
+              <a:t>12</a:t>
             </a:fld>
             <a:endParaRPr lang="en-US" dirty="0"/>
           </a:p>
@@ -946,7 +990,7 @@
     </p:spTree>
     <p:extLst>
       <p:ext uri="{BB962C8B-B14F-4D97-AF65-F5344CB8AC3E}">
-        <p14:creationId xmlns:p14="http://schemas.microsoft.com/office/powerpoint/2010/main" val="979129992"/>
+        <p14:creationId xmlns:p14="http://schemas.microsoft.com/office/powerpoint/2010/main" val="195226968"/>
       </p:ext>
     </p:extLst>
   </p:cSld>
@@ -1021,7 +1065,301 @@
           <a:p>
             <a:fld id="{C40395BB-575F-4B8D-BDB5-1D314BA51C2E}" type="slidenum">
               <a:rPr lang="en-US" smtClean="0"/>
+              <a:t>13</a:t>
+            </a:fld>
+            <a:endParaRPr lang="en-US" dirty="0"/>
+          </a:p>
+        </p:txBody>
+      </p:sp>
+    </p:spTree>
+    <p:extLst>
+      <p:ext uri="{BB962C8B-B14F-4D97-AF65-F5344CB8AC3E}">
+        <p14:creationId xmlns:p14="http://schemas.microsoft.com/office/powerpoint/2010/main" val="4203504993"/>
+      </p:ext>
+    </p:extLst>
+  </p:cSld>
+  <p:clrMapOvr>
+    <a:masterClrMapping/>
+  </p:clrMapOvr>
+</p:notes>
+</file>
+
+<file path=ppt/notesSlides/notesSlide7.xml><?xml version="1.0" encoding="utf-8"?>
+<p:notes xmlns:a="http://schemas.openxmlformats.org/drawingml/2006/main" xmlns:r="http://schemas.openxmlformats.org/officeDocument/2006/relationships" xmlns:p="http://schemas.openxmlformats.org/presentationml/2006/main">
+  <p:cSld>
+    <p:spTree>
+      <p:nvGrpSpPr>
+        <p:cNvPr id="1" name=""/>
+        <p:cNvGrpSpPr/>
+        <p:nvPr/>
+      </p:nvGrpSpPr>
+      <p:grpSpPr>
+        <a:xfrm>
+          <a:off x="0" y="0"/>
+          <a:ext cx="0" cy="0"/>
+          <a:chOff x="0" y="0"/>
+          <a:chExt cx="0" cy="0"/>
+        </a:xfrm>
+      </p:grpSpPr>
+      <p:sp>
+        <p:nvSpPr>
+          <p:cNvPr id="2" name="Segnaposto immagine diapositiva 1"/>
+          <p:cNvSpPr>
+            <a:spLocks noGrp="1" noRot="1" noChangeAspect="1"/>
+          </p:cNvSpPr>
+          <p:nvPr>
+            <p:ph type="sldImg"/>
+          </p:nvPr>
+        </p:nvSpPr>
+        <p:spPr/>
+      </p:sp>
+      <p:sp>
+        <p:nvSpPr>
+          <p:cNvPr id="3" name="Segnaposto note 2"/>
+          <p:cNvSpPr>
+            <a:spLocks noGrp="1"/>
+          </p:cNvSpPr>
+          <p:nvPr>
+            <p:ph type="body" idx="1"/>
+          </p:nvPr>
+        </p:nvSpPr>
+        <p:spPr/>
+        <p:txBody>
+          <a:bodyPr/>
+          <a:lstStyle/>
+          <a:p>
+            <a:endParaRPr lang="en-US" dirty="0"/>
+          </a:p>
+        </p:txBody>
+      </p:sp>
+      <p:sp>
+        <p:nvSpPr>
+          <p:cNvPr id="4" name="Segnaposto numero diapositiva 3"/>
+          <p:cNvSpPr>
+            <a:spLocks noGrp="1"/>
+          </p:cNvSpPr>
+          <p:nvPr>
+            <p:ph type="sldNum" sz="quarter" idx="5"/>
+          </p:nvPr>
+        </p:nvSpPr>
+        <p:spPr/>
+        <p:txBody>
+          <a:bodyPr/>
+          <a:lstStyle/>
+          <a:p>
+            <a:fld id="{C40395BB-575F-4B8D-BDB5-1D314BA51C2E}" type="slidenum">
+              <a:rPr lang="en-US" smtClean="0"/>
               <a:t>14</a:t>
+            </a:fld>
+            <a:endParaRPr lang="en-US" dirty="0"/>
+          </a:p>
+        </p:txBody>
+      </p:sp>
+    </p:spTree>
+    <p:extLst>
+      <p:ext uri="{BB962C8B-B14F-4D97-AF65-F5344CB8AC3E}">
+        <p14:creationId xmlns:p14="http://schemas.microsoft.com/office/powerpoint/2010/main" val="3581697103"/>
+      </p:ext>
+    </p:extLst>
+  </p:cSld>
+  <p:clrMapOvr>
+    <a:masterClrMapping/>
+  </p:clrMapOvr>
+</p:notes>
+</file>
+
+<file path=ppt/notesSlides/notesSlide8.xml><?xml version="1.0" encoding="utf-8"?>
+<p:notes xmlns:a="http://schemas.openxmlformats.org/drawingml/2006/main" xmlns:r="http://schemas.openxmlformats.org/officeDocument/2006/relationships" xmlns:p="http://schemas.openxmlformats.org/presentationml/2006/main">
+  <p:cSld>
+    <p:spTree>
+      <p:nvGrpSpPr>
+        <p:cNvPr id="1" name=""/>
+        <p:cNvGrpSpPr/>
+        <p:nvPr/>
+      </p:nvGrpSpPr>
+      <p:grpSpPr>
+        <a:xfrm>
+          <a:off x="0" y="0"/>
+          <a:ext cx="0" cy="0"/>
+          <a:chOff x="0" y="0"/>
+          <a:chExt cx="0" cy="0"/>
+        </a:xfrm>
+      </p:grpSpPr>
+      <p:sp>
+        <p:nvSpPr>
+          <p:cNvPr id="2" name="Segnaposto immagine diapositiva 1"/>
+          <p:cNvSpPr>
+            <a:spLocks noGrp="1" noRot="1" noChangeAspect="1"/>
+          </p:cNvSpPr>
+          <p:nvPr>
+            <p:ph type="sldImg"/>
+          </p:nvPr>
+        </p:nvSpPr>
+        <p:spPr/>
+      </p:sp>
+      <p:sp>
+        <p:nvSpPr>
+          <p:cNvPr id="3" name="Segnaposto note 2"/>
+          <p:cNvSpPr>
+            <a:spLocks noGrp="1"/>
+          </p:cNvSpPr>
+          <p:nvPr>
+            <p:ph type="body" idx="1"/>
+          </p:nvPr>
+        </p:nvSpPr>
+        <p:spPr/>
+        <p:txBody>
+          <a:bodyPr/>
+          <a:lstStyle/>
+          <a:p>
+            <a:r>
+              <a:rPr lang="it-IT" dirty="0"/>
+              <a:t>RBF: out of </a:t>
+            </a:r>
+            <a:r>
+              <a:rPr lang="en-US" noProof="0" dirty="0"/>
+              <a:t>memory</a:t>
+            </a:r>
+            <a:r>
+              <a:rPr lang="it-IT" dirty="0"/>
+              <a:t> </a:t>
+            </a:r>
+            <a:r>
+              <a:rPr lang="en-US" noProof="0" dirty="0"/>
+              <a:t>error</a:t>
+            </a:r>
+          </a:p>
+          <a:p>
+            <a:r>
+              <a:rPr lang="en-US" noProof="0" dirty="0"/>
+              <a:t>Kriging</a:t>
+            </a:r>
+            <a:r>
+              <a:rPr lang="it-IT" dirty="0"/>
+              <a:t>: out of </a:t>
+            </a:r>
+            <a:r>
+              <a:rPr lang="en-US" noProof="0" dirty="0"/>
+              <a:t>memory</a:t>
+            </a:r>
+            <a:r>
+              <a:rPr lang="it-IT" dirty="0"/>
+              <a:t> </a:t>
+            </a:r>
+            <a:r>
+              <a:rPr lang="en-US" noProof="0" dirty="0"/>
+              <a:t>error</a:t>
+            </a:r>
+            <a:r>
+              <a:rPr lang="it-IT" dirty="0"/>
+              <a:t> possibile e tempo di esecuzione dell’ordine delle ore</a:t>
+            </a:r>
+            <a:endParaRPr lang="en-US" dirty="0"/>
+          </a:p>
+        </p:txBody>
+      </p:sp>
+      <p:sp>
+        <p:nvSpPr>
+          <p:cNvPr id="4" name="Segnaposto numero diapositiva 3"/>
+          <p:cNvSpPr>
+            <a:spLocks noGrp="1"/>
+          </p:cNvSpPr>
+          <p:nvPr>
+            <p:ph type="sldNum" sz="quarter" idx="5"/>
+          </p:nvPr>
+        </p:nvSpPr>
+        <p:spPr/>
+        <p:txBody>
+          <a:bodyPr/>
+          <a:lstStyle/>
+          <a:p>
+            <a:fld id="{C40395BB-575F-4B8D-BDB5-1D314BA51C2E}" type="slidenum">
+              <a:rPr lang="en-US" smtClean="0"/>
+              <a:t>15</a:t>
+            </a:fld>
+            <a:endParaRPr lang="en-US" dirty="0"/>
+          </a:p>
+        </p:txBody>
+      </p:sp>
+    </p:spTree>
+    <p:extLst>
+      <p:ext uri="{BB962C8B-B14F-4D97-AF65-F5344CB8AC3E}">
+        <p14:creationId xmlns:p14="http://schemas.microsoft.com/office/powerpoint/2010/main" val="979129992"/>
+      </p:ext>
+    </p:extLst>
+  </p:cSld>
+  <p:clrMapOvr>
+    <a:masterClrMapping/>
+  </p:clrMapOvr>
+</p:notes>
+</file>
+
+<file path=ppt/notesSlides/notesSlide9.xml><?xml version="1.0" encoding="utf-8"?>
+<p:notes xmlns:a="http://schemas.openxmlformats.org/drawingml/2006/main" xmlns:r="http://schemas.openxmlformats.org/officeDocument/2006/relationships" xmlns:p="http://schemas.openxmlformats.org/presentationml/2006/main">
+  <p:cSld>
+    <p:spTree>
+      <p:nvGrpSpPr>
+        <p:cNvPr id="1" name=""/>
+        <p:cNvGrpSpPr/>
+        <p:nvPr/>
+      </p:nvGrpSpPr>
+      <p:grpSpPr>
+        <a:xfrm>
+          <a:off x="0" y="0"/>
+          <a:ext cx="0" cy="0"/>
+          <a:chOff x="0" y="0"/>
+          <a:chExt cx="0" cy="0"/>
+        </a:xfrm>
+      </p:grpSpPr>
+      <p:sp>
+        <p:nvSpPr>
+          <p:cNvPr id="2" name="Segnaposto immagine diapositiva 1"/>
+          <p:cNvSpPr>
+            <a:spLocks noGrp="1" noRot="1" noChangeAspect="1"/>
+          </p:cNvSpPr>
+          <p:nvPr>
+            <p:ph type="sldImg"/>
+          </p:nvPr>
+        </p:nvSpPr>
+        <p:spPr/>
+      </p:sp>
+      <p:sp>
+        <p:nvSpPr>
+          <p:cNvPr id="3" name="Segnaposto note 2"/>
+          <p:cNvSpPr>
+            <a:spLocks noGrp="1"/>
+          </p:cNvSpPr>
+          <p:nvPr>
+            <p:ph type="body" idx="1"/>
+          </p:nvPr>
+        </p:nvSpPr>
+        <p:spPr/>
+        <p:txBody>
+          <a:bodyPr/>
+          <a:lstStyle/>
+          <a:p>
+            <a:endParaRPr lang="en-US" dirty="0"/>
+          </a:p>
+        </p:txBody>
+      </p:sp>
+      <p:sp>
+        <p:nvSpPr>
+          <p:cNvPr id="4" name="Segnaposto numero diapositiva 3"/>
+          <p:cNvSpPr>
+            <a:spLocks noGrp="1"/>
+          </p:cNvSpPr>
+          <p:nvPr>
+            <p:ph type="sldNum" sz="quarter" idx="5"/>
+          </p:nvPr>
+        </p:nvSpPr>
+        <p:spPr/>
+        <p:txBody>
+          <a:bodyPr/>
+          <a:lstStyle/>
+          <a:p>
+            <a:fld id="{C40395BB-575F-4B8D-BDB5-1D314BA51C2E}" type="slidenum">
+              <a:rPr lang="en-US" smtClean="0"/>
+              <a:t>16</a:t>
             </a:fld>
             <a:endParaRPr lang="en-US" dirty="0"/>
           </a:p>
@@ -1219,7 +1557,7 @@
           <a:p>
             <a:fld id="{8DF5B5D2-CA2A-6548-955E-9897154AE4E2}" type="datetimeFigureOut">
               <a:rPr lang="it-IT" smtClean="0"/>
-              <a:t>27/05/2019</a:t>
+              <a:t>28/05/2019</a:t>
             </a:fld>
             <a:endParaRPr lang="it-IT" dirty="0"/>
           </a:p>
@@ -1387,7 +1725,7 @@
           <a:p>
             <a:fld id="{8DF5B5D2-CA2A-6548-955E-9897154AE4E2}" type="datetimeFigureOut">
               <a:rPr lang="it-IT" smtClean="0"/>
-              <a:t>27/05/2019</a:t>
+              <a:t>28/05/2019</a:t>
             </a:fld>
             <a:endParaRPr lang="it-IT" dirty="0"/>
           </a:p>
@@ -1565,7 +1903,7 @@
           <a:p>
             <a:fld id="{8DF5B5D2-CA2A-6548-955E-9897154AE4E2}" type="datetimeFigureOut">
               <a:rPr lang="it-IT" smtClean="0"/>
-              <a:t>27/05/2019</a:t>
+              <a:t>28/05/2019</a:t>
             </a:fld>
             <a:endParaRPr lang="it-IT" dirty="0"/>
           </a:p>
@@ -1733,7 +2071,7 @@
           <a:p>
             <a:fld id="{8DF5B5D2-CA2A-6548-955E-9897154AE4E2}" type="datetimeFigureOut">
               <a:rPr lang="it-IT" smtClean="0"/>
-              <a:t>27/05/2019</a:t>
+              <a:t>28/05/2019</a:t>
             </a:fld>
             <a:endParaRPr lang="it-IT" dirty="0"/>
           </a:p>
@@ -1978,7 +2316,7 @@
           <a:p>
             <a:fld id="{8DF5B5D2-CA2A-6548-955E-9897154AE4E2}" type="datetimeFigureOut">
               <a:rPr lang="it-IT" smtClean="0"/>
-              <a:t>27/05/2019</a:t>
+              <a:t>28/05/2019</a:t>
             </a:fld>
             <a:endParaRPr lang="it-IT" dirty="0"/>
           </a:p>
@@ -2263,7 +2601,7 @@
           <a:p>
             <a:fld id="{8DF5B5D2-CA2A-6548-955E-9897154AE4E2}" type="datetimeFigureOut">
               <a:rPr lang="it-IT" smtClean="0"/>
-              <a:t>27/05/2019</a:t>
+              <a:t>28/05/2019</a:t>
             </a:fld>
             <a:endParaRPr lang="it-IT" dirty="0"/>
           </a:p>
@@ -2682,7 +3020,7 @@
           <a:p>
             <a:fld id="{8DF5B5D2-CA2A-6548-955E-9897154AE4E2}" type="datetimeFigureOut">
               <a:rPr lang="it-IT" smtClean="0"/>
-              <a:t>27/05/2019</a:t>
+              <a:t>28/05/2019</a:t>
             </a:fld>
             <a:endParaRPr lang="it-IT" dirty="0"/>
           </a:p>
@@ -2799,7 +3137,7 @@
           <a:p>
             <a:fld id="{8DF5B5D2-CA2A-6548-955E-9897154AE4E2}" type="datetimeFigureOut">
               <a:rPr lang="it-IT" smtClean="0"/>
-              <a:t>27/05/2019</a:t>
+              <a:t>28/05/2019</a:t>
             </a:fld>
             <a:endParaRPr lang="it-IT" dirty="0"/>
           </a:p>
@@ -2894,7 +3232,7 @@
           <a:p>
             <a:fld id="{8DF5B5D2-CA2A-6548-955E-9897154AE4E2}" type="datetimeFigureOut">
               <a:rPr lang="it-IT" smtClean="0"/>
-              <a:t>27/05/2019</a:t>
+              <a:t>28/05/2019</a:t>
             </a:fld>
             <a:endParaRPr lang="it-IT" dirty="0"/>
           </a:p>
@@ -3169,7 +3507,7 @@
           <a:p>
             <a:fld id="{8DF5B5D2-CA2A-6548-955E-9897154AE4E2}" type="datetimeFigureOut">
               <a:rPr lang="it-IT" smtClean="0"/>
-              <a:t>27/05/2019</a:t>
+              <a:t>28/05/2019</a:t>
             </a:fld>
             <a:endParaRPr lang="it-IT" dirty="0"/>
           </a:p>
@@ -3421,7 +3759,7 @@
           <a:p>
             <a:fld id="{8DF5B5D2-CA2A-6548-955E-9897154AE4E2}" type="datetimeFigureOut">
               <a:rPr lang="it-IT" smtClean="0"/>
-              <a:t>27/05/2019</a:t>
+              <a:t>28/05/2019</a:t>
             </a:fld>
             <a:endParaRPr lang="it-IT" dirty="0"/>
           </a:p>
@@ -3632,7 +3970,7 @@
           <a:p>
             <a:fld id="{8DF5B5D2-CA2A-6548-955E-9897154AE4E2}" type="datetimeFigureOut">
               <a:rPr lang="it-IT" smtClean="0"/>
-              <a:t>27/05/2019</a:t>
+              <a:t>28/05/2019</a:t>
             </a:fld>
             <a:endParaRPr lang="it-IT" dirty="0"/>
           </a:p>
@@ -4368,10 +4706,10 @@
       </p:sp>
       <p:pic>
         <p:nvPicPr>
-          <p:cNvPr id="2" name="Immagine 1">
+          <p:cNvPr id="4" name="Immagine 3" descr="Immagine che contiene testo, mappa&#10;&#10;Descrizione generata automaticamente">
             <a:extLst>
               <a:ext uri="{FF2B5EF4-FFF2-40B4-BE49-F238E27FC236}">
-                <a16:creationId xmlns:a16="http://schemas.microsoft.com/office/drawing/2014/main" id="{081FDD17-93F5-4300-A7BB-E90C7DEBABBF}"/>
+                <a16:creationId xmlns:a16="http://schemas.microsoft.com/office/drawing/2014/main" id="{4B736D2A-3D1D-42A8-9769-93458A3B9C55}"/>
               </a:ext>
             </a:extLst>
           </p:cNvPr>
@@ -4382,13 +4720,13 @@
         </p:nvPicPr>
         <p:blipFill rotWithShape="1">
           <a:blip r:embed="rId4"/>
-          <a:srcRect l="51340" r="7500" b="419"/>
+          <a:srcRect t="51111" b="5185"/>
           <a:stretch/>
         </p:blipFill>
         <p:spPr>
           <a:xfrm>
-            <a:off x="942679" y="1859421"/>
-            <a:ext cx="5885427" cy="3909783"/>
+            <a:off x="553854" y="1751654"/>
+            <a:ext cx="6328095" cy="3658546"/>
           </a:xfrm>
           <a:prstGeom prst="rect">
             <a:avLst/>
@@ -4702,14 +5040,566 @@
           <a:p>
             <a:pPr eaLnBrk="1" hangingPunct="1"/>
             <a:r>
+              <a:rPr lang="en-US" dirty="0"/>
+              <a:t>Real</a:t>
+            </a:r>
+            <a:r>
+              <a:rPr lang="it-IT" dirty="0"/>
+              <a:t> </a:t>
+            </a:r>
+            <a:r>
+              <a:rPr lang="en-US" dirty="0"/>
+              <a:t>seabed</a:t>
+            </a:r>
+            <a:r>
+              <a:rPr lang="it-IT" dirty="0"/>
+              <a:t>: </a:t>
+            </a:r>
+            <a:r>
+              <a:rPr lang="en-US" dirty="0"/>
+              <a:t>results</a:t>
+            </a:r>
+          </a:p>
+        </p:txBody>
+      </p:sp>
+      <p:pic>
+        <p:nvPicPr>
+          <p:cNvPr id="3" name="Immagine 2">
+            <a:extLst>
+              <a:ext uri="{FF2B5EF4-FFF2-40B4-BE49-F238E27FC236}">
+                <a16:creationId xmlns:a16="http://schemas.microsoft.com/office/drawing/2014/main" id="{E8D3EF6E-0169-4426-840F-95D10307E3F9}"/>
+              </a:ext>
+            </a:extLst>
+          </p:cNvPr>
+          <p:cNvPicPr>
+            <a:picLocks noChangeAspect="1"/>
+          </p:cNvPicPr>
+          <p:nvPr/>
+        </p:nvPicPr>
+        <p:blipFill rotWithShape="1">
+          <a:blip r:embed="rId5"/>
+          <a:srcRect r="18831"/>
+          <a:stretch/>
+        </p:blipFill>
+        <p:spPr>
+          <a:xfrm>
+            <a:off x="174156" y="1218096"/>
+            <a:ext cx="2713154" cy="4421808"/>
+          </a:xfrm>
+          <a:prstGeom prst="rect">
+            <a:avLst/>
+          </a:prstGeom>
+        </p:spPr>
+      </p:pic>
+      <p:pic>
+        <p:nvPicPr>
+          <p:cNvPr id="5" name="Immagine 4">
+            <a:extLst>
+              <a:ext uri="{FF2B5EF4-FFF2-40B4-BE49-F238E27FC236}">
+                <a16:creationId xmlns:a16="http://schemas.microsoft.com/office/drawing/2014/main" id="{EBCE33DC-2718-441A-9D1F-7F3395593E45}"/>
+              </a:ext>
+            </a:extLst>
+          </p:cNvPr>
+          <p:cNvPicPr>
+            <a:picLocks noChangeAspect="1"/>
+          </p:cNvPicPr>
+          <p:nvPr/>
+        </p:nvPicPr>
+        <p:blipFill rotWithShape="1">
+          <a:blip r:embed="rId6"/>
+          <a:srcRect r="18540"/>
+          <a:stretch/>
+        </p:blipFill>
+        <p:spPr>
+          <a:xfrm>
+            <a:off x="2982897" y="1218096"/>
+            <a:ext cx="2722895" cy="4421808"/>
+          </a:xfrm>
+          <a:prstGeom prst="rect">
+            <a:avLst/>
+          </a:prstGeom>
+        </p:spPr>
+      </p:pic>
+      <p:pic>
+        <p:nvPicPr>
+          <p:cNvPr id="12" name="Immagine 11">
+            <a:extLst>
+              <a:ext uri="{FF2B5EF4-FFF2-40B4-BE49-F238E27FC236}">
+                <a16:creationId xmlns:a16="http://schemas.microsoft.com/office/drawing/2014/main" id="{676ABE7C-251C-400A-9F82-814F5ADCC87C}"/>
+              </a:ext>
+            </a:extLst>
+          </p:cNvPr>
+          <p:cNvPicPr>
+            <a:picLocks noChangeAspect="1"/>
+          </p:cNvPicPr>
+          <p:nvPr/>
+        </p:nvPicPr>
+        <p:blipFill>
+          <a:blip r:embed="rId7"/>
+          <a:stretch>
+            <a:fillRect/>
+          </a:stretch>
+        </p:blipFill>
+        <p:spPr>
+          <a:xfrm>
+            <a:off x="5801380" y="1218096"/>
+            <a:ext cx="3342620" cy="4421808"/>
+          </a:xfrm>
+          <a:prstGeom prst="rect">
+            <a:avLst/>
+          </a:prstGeom>
+        </p:spPr>
+      </p:pic>
+      <p:sp>
+        <p:nvSpPr>
+          <p:cNvPr id="13" name="CasellaDiTesto 12">
+            <a:extLst>
+              <a:ext uri="{FF2B5EF4-FFF2-40B4-BE49-F238E27FC236}">
+                <a16:creationId xmlns:a16="http://schemas.microsoft.com/office/drawing/2014/main" id="{7591AD66-C012-4222-A58B-78485B392537}"/>
+              </a:ext>
+            </a:extLst>
+          </p:cNvPr>
+          <p:cNvSpPr txBox="1"/>
+          <p:nvPr/>
+        </p:nvSpPr>
+        <p:spPr>
+          <a:xfrm>
+            <a:off x="206606" y="5371976"/>
+            <a:ext cx="1167307" cy="369332"/>
+          </a:xfrm>
+          <a:prstGeom prst="rect">
+            <a:avLst/>
+          </a:prstGeom>
+          <a:noFill/>
+        </p:spPr>
+        <p:txBody>
+          <a:bodyPr wrap="none" rtlCol="0">
+            <a:spAutoFit/>
+          </a:bodyPr>
+          <a:lstStyle/>
+          <a:p>
+            <a:pPr marL="285750" indent="-285750">
+              <a:buFont typeface="Arial" panose="020B0604020202020204" pitchFamily="34" charset="0"/>
+              <a:buChar char="•"/>
+            </a:pPr>
+            <a:r>
+              <a:rPr lang="en-US" dirty="0">
+                <a:latin typeface="Gill Sans Light"/>
+              </a:rPr>
+              <a:t>Original</a:t>
+            </a:r>
+          </a:p>
+        </p:txBody>
+      </p:sp>
+      <p:sp>
+        <p:nvSpPr>
+          <p:cNvPr id="14" name="CasellaDiTesto 13">
+            <a:extLst>
+              <a:ext uri="{FF2B5EF4-FFF2-40B4-BE49-F238E27FC236}">
+                <a16:creationId xmlns:a16="http://schemas.microsoft.com/office/drawing/2014/main" id="{173B0558-DC66-4F40-A218-8B709943BDAC}"/>
+              </a:ext>
+            </a:extLst>
+          </p:cNvPr>
+          <p:cNvSpPr txBox="1"/>
+          <p:nvPr/>
+        </p:nvSpPr>
+        <p:spPr>
+          <a:xfrm>
+            <a:off x="3171009" y="5371976"/>
+            <a:ext cx="1066318" cy="369332"/>
+          </a:xfrm>
+          <a:prstGeom prst="rect">
+            <a:avLst/>
+          </a:prstGeom>
+          <a:noFill/>
+        </p:spPr>
+        <p:txBody>
+          <a:bodyPr wrap="none" rtlCol="0">
+            <a:spAutoFit/>
+          </a:bodyPr>
+          <a:lstStyle/>
+          <a:p>
+            <a:pPr marL="285750" indent="-285750">
+              <a:buFont typeface="Arial" panose="020B0604020202020204" pitchFamily="34" charset="0"/>
+              <a:buChar char="•"/>
+            </a:pPr>
+            <a:r>
+              <a:rPr lang="en-US" dirty="0">
+                <a:latin typeface="Gill Sans Light"/>
+              </a:rPr>
+              <a:t>Kriging</a:t>
+            </a:r>
+          </a:p>
+        </p:txBody>
+      </p:sp>
+      <p:sp>
+        <p:nvSpPr>
+          <p:cNvPr id="15" name="CasellaDiTesto 14">
+            <a:extLst>
+              <a:ext uri="{FF2B5EF4-FFF2-40B4-BE49-F238E27FC236}">
+                <a16:creationId xmlns:a16="http://schemas.microsoft.com/office/drawing/2014/main" id="{2B4B78FE-A1BE-409F-8CB1-EC944ADDBB88}"/>
+              </a:ext>
+            </a:extLst>
+          </p:cNvPr>
+          <p:cNvSpPr txBox="1"/>
+          <p:nvPr/>
+        </p:nvSpPr>
+        <p:spPr>
+          <a:xfrm>
+            <a:off x="6105368" y="5371976"/>
+            <a:ext cx="2151423" cy="369332"/>
+          </a:xfrm>
+          <a:prstGeom prst="rect">
+            <a:avLst/>
+          </a:prstGeom>
+          <a:noFill/>
+        </p:spPr>
+        <p:txBody>
+          <a:bodyPr wrap="none" rtlCol="0">
+            <a:spAutoFit/>
+          </a:bodyPr>
+          <a:lstStyle/>
+          <a:p>
+            <a:pPr marL="285750" indent="-285750">
+              <a:buFont typeface="Arial" panose="020B0604020202020204" pitchFamily="34" charset="0"/>
+              <a:buChar char="•"/>
+            </a:pPr>
+            <a:r>
+              <a:rPr lang="en-US" dirty="0">
+                <a:latin typeface="Gill Sans Light"/>
+              </a:rPr>
+              <a:t>Nearest</a:t>
+            </a:r>
+            <a:r>
+              <a:rPr lang="it-IT" dirty="0">
+                <a:latin typeface="Gill Sans Light"/>
+              </a:rPr>
+              <a:t> </a:t>
+            </a:r>
+            <a:r>
+              <a:rPr lang="en-GB" dirty="0">
+                <a:latin typeface="Gill Sans Light"/>
+              </a:rPr>
+              <a:t>neighbour</a:t>
+            </a:r>
+          </a:p>
+        </p:txBody>
+      </p:sp>
+    </p:spTree>
+    <p:extLst>
+      <p:ext uri="{BB962C8B-B14F-4D97-AF65-F5344CB8AC3E}">
+        <p14:creationId xmlns:p14="http://schemas.microsoft.com/office/powerpoint/2010/main" val="1238166524"/>
+      </p:ext>
+    </p:extLst>
+  </p:cSld>
+  <p:clrMapOvr>
+    <a:masterClrMapping/>
+  </p:clrMapOvr>
+</p:sld>
+</file>
+
+<file path=ppt/slides/slide11.xml><?xml version="1.0" encoding="utf-8"?>
+<p:sld xmlns:a="http://schemas.openxmlformats.org/drawingml/2006/main" xmlns:r="http://schemas.openxmlformats.org/officeDocument/2006/relationships" xmlns:p="http://schemas.openxmlformats.org/presentationml/2006/main">
+  <p:cSld>
+    <p:spTree>
+      <p:nvGrpSpPr>
+        <p:cNvPr id="1" name=""/>
+        <p:cNvGrpSpPr/>
+        <p:nvPr/>
+      </p:nvGrpSpPr>
+      <p:grpSpPr>
+        <a:xfrm>
+          <a:off x="0" y="0"/>
+          <a:ext cx="0" cy="0"/>
+          <a:chOff x="0" y="0"/>
+          <a:chExt cx="0" cy="0"/>
+        </a:xfrm>
+      </p:grpSpPr>
+      <p:sp>
+        <p:nvSpPr>
+          <p:cNvPr id="6" name="Parallelogramma 5"/>
+          <p:cNvSpPr/>
+          <p:nvPr/>
+        </p:nvSpPr>
+        <p:spPr>
+          <a:xfrm>
+            <a:off x="-238532" y="6376663"/>
+            <a:ext cx="8472198" cy="481338"/>
+          </a:xfrm>
+          <a:prstGeom prst="parallelogram">
+            <a:avLst/>
+          </a:prstGeom>
+          <a:solidFill>
+            <a:srgbClr val="0F406B"/>
+          </a:solidFill>
+        </p:spPr>
+        <p:style>
+          <a:lnRef idx="1">
+            <a:schemeClr val="accent1"/>
+          </a:lnRef>
+          <a:fillRef idx="3">
+            <a:schemeClr val="accent1"/>
+          </a:fillRef>
+          <a:effectRef idx="2">
+            <a:schemeClr val="accent1"/>
+          </a:effectRef>
+          <a:fontRef idx="minor">
+            <a:schemeClr val="lt1"/>
+          </a:fontRef>
+        </p:style>
+        <p:txBody>
+          <a:bodyPr rtlCol="0" anchor="ctr"/>
+          <a:lstStyle/>
+          <a:p>
+            <a:pPr algn="ctr"/>
+            <a:endParaRPr lang="it-IT" dirty="0">
+              <a:solidFill>
+                <a:srgbClr val="0F406B"/>
+              </a:solidFill>
+            </a:endParaRPr>
+          </a:p>
+        </p:txBody>
+      </p:sp>
+      <p:pic>
+        <p:nvPicPr>
+          <p:cNvPr id="7" name="Immagine 6" descr="cherubino_pant541.eps"/>
+          <p:cNvPicPr>
+            <a:picLocks noChangeAspect="1"/>
+          </p:cNvPicPr>
+          <p:nvPr/>
+        </p:nvPicPr>
+        <p:blipFill>
+          <a:blip r:embed="rId3">
+            <a:extLst>
+              <a:ext uri="{28A0092B-C50C-407E-A947-70E740481C1C}">
+                <a14:useLocalDpi xmlns:a14="http://schemas.microsoft.com/office/drawing/2010/main" val="0"/>
+              </a:ext>
+            </a:extLst>
+          </a:blip>
+          <a:stretch>
+            <a:fillRect/>
+          </a:stretch>
+        </p:blipFill>
+        <p:spPr>
+          <a:xfrm>
+            <a:off x="8458200" y="6376662"/>
+            <a:ext cx="459462" cy="469067"/>
+          </a:xfrm>
+          <a:prstGeom prst="rect">
+            <a:avLst/>
+          </a:prstGeom>
+        </p:spPr>
+      </p:pic>
+      <p:pic>
+        <p:nvPicPr>
+          <p:cNvPr id="8" name="Immagine 7" descr="logo_white.eps"/>
+          <p:cNvPicPr>
+            <a:picLocks noChangeAspect="1"/>
+          </p:cNvPicPr>
+          <p:nvPr/>
+        </p:nvPicPr>
+        <p:blipFill>
+          <a:blip r:embed="rId4">
+            <a:extLst>
+              <a:ext uri="{28A0092B-C50C-407E-A947-70E740481C1C}">
+                <a14:useLocalDpi xmlns:a14="http://schemas.microsoft.com/office/drawing/2010/main" val="0"/>
+              </a:ext>
+            </a:extLst>
+          </a:blip>
+          <a:stretch>
+            <a:fillRect/>
+          </a:stretch>
+        </p:blipFill>
+        <p:spPr>
+          <a:xfrm>
+            <a:off x="5457607" y="6502430"/>
+            <a:ext cx="2395665" cy="220877"/>
+          </a:xfrm>
+          <a:prstGeom prst="rect">
+            <a:avLst/>
+          </a:prstGeom>
+        </p:spPr>
+      </p:pic>
+      <p:sp>
+        <p:nvSpPr>
+          <p:cNvPr id="10" name="CasellaDiTesto 1"/>
+          <p:cNvSpPr txBox="1">
+            <a:spLocks noChangeArrowheads="1"/>
+          </p:cNvSpPr>
+          <p:nvPr/>
+        </p:nvSpPr>
+        <p:spPr bwMode="auto">
+          <a:xfrm>
+            <a:off x="1230833" y="594306"/>
+            <a:ext cx="6309666" cy="553998"/>
+          </a:xfrm>
+          <a:prstGeom prst="rect">
+            <a:avLst/>
+          </a:prstGeom>
+          <a:noFill/>
+          <a:ln>
+            <a:noFill/>
+          </a:ln>
+          <a:extLst>
+            <a:ext uri="{909E8E84-426E-40DD-AFC4-6F175D3DCCD1}">
+              <a14:hiddenFill xmlns:a14="http://schemas.microsoft.com/office/drawing/2010/main">
+                <a:solidFill>
+                  <a:srgbClr val="FFFFFF"/>
+                </a:solidFill>
+              </a14:hiddenFill>
+            </a:ext>
+            <a:ext uri="{91240B29-F687-4F45-9708-019B960494DF}">
+              <a14:hiddenLine xmlns:a14="http://schemas.microsoft.com/office/drawing/2010/main" w="9525">
+                <a:solidFill>
+                  <a:srgbClr val="000000"/>
+                </a:solidFill>
+                <a:miter lim="800000"/>
+                <a:headEnd/>
+                <a:tailEnd/>
+              </a14:hiddenLine>
+            </a:ext>
+          </a:extLst>
+        </p:spPr>
+        <p:txBody>
+          <a:bodyPr wrap="square">
+            <a:spAutoFit/>
+          </a:bodyPr>
+          <a:lstStyle>
+            <a:lvl1pPr eaLnBrk="0" hangingPunct="0">
+              <a:defRPr sz="3000">
+                <a:solidFill>
+                  <a:srgbClr val="414141"/>
+                </a:solidFill>
+                <a:latin typeface="Gill Sans Light" charset="0"/>
+                <a:ea typeface="ヒラギノ角ゴ ProN W3" charset="0"/>
+                <a:cs typeface="ヒラギノ角ゴ ProN W3" charset="0"/>
+                <a:sym typeface="Gill Sans Light" charset="0"/>
+              </a:defRPr>
+            </a:lvl1pPr>
+            <a:lvl2pPr marL="742950" indent="-285750" eaLnBrk="0" hangingPunct="0">
+              <a:defRPr sz="3000">
+                <a:solidFill>
+                  <a:srgbClr val="414141"/>
+                </a:solidFill>
+                <a:latin typeface="Gill Sans Light" charset="0"/>
+                <a:ea typeface="ヒラギノ角ゴ ProN W3" charset="0"/>
+                <a:cs typeface="ヒラギノ角ゴ ProN W3" charset="0"/>
+                <a:sym typeface="Gill Sans Light" charset="0"/>
+              </a:defRPr>
+            </a:lvl2pPr>
+            <a:lvl3pPr marL="1143000" indent="-228600" eaLnBrk="0" hangingPunct="0">
+              <a:defRPr sz="3000">
+                <a:solidFill>
+                  <a:srgbClr val="414141"/>
+                </a:solidFill>
+                <a:latin typeface="Gill Sans Light" charset="0"/>
+                <a:ea typeface="ヒラギノ角ゴ ProN W3" charset="0"/>
+                <a:cs typeface="ヒラギノ角ゴ ProN W3" charset="0"/>
+                <a:sym typeface="Gill Sans Light" charset="0"/>
+              </a:defRPr>
+            </a:lvl3pPr>
+            <a:lvl4pPr marL="1600200" indent="-228600" eaLnBrk="0" hangingPunct="0">
+              <a:defRPr sz="3000">
+                <a:solidFill>
+                  <a:srgbClr val="414141"/>
+                </a:solidFill>
+                <a:latin typeface="Gill Sans Light" charset="0"/>
+                <a:ea typeface="ヒラギノ角ゴ ProN W3" charset="0"/>
+                <a:cs typeface="ヒラギノ角ゴ ProN W3" charset="0"/>
+                <a:sym typeface="Gill Sans Light" charset="0"/>
+              </a:defRPr>
+            </a:lvl4pPr>
+            <a:lvl5pPr marL="2057400" indent="-228600" eaLnBrk="0" hangingPunct="0">
+              <a:defRPr sz="3000">
+                <a:solidFill>
+                  <a:srgbClr val="414141"/>
+                </a:solidFill>
+                <a:latin typeface="Gill Sans Light" charset="0"/>
+                <a:ea typeface="ヒラギノ角ゴ ProN W3" charset="0"/>
+                <a:cs typeface="ヒラギノ角ゴ ProN W3" charset="0"/>
+                <a:sym typeface="Gill Sans Light" charset="0"/>
+              </a:defRPr>
+            </a:lvl5pPr>
+            <a:lvl6pPr marL="2514600" indent="-228600" algn="ctr" eaLnBrk="0" fontAlgn="base" hangingPunct="0">
+              <a:spcBef>
+                <a:spcPct val="0"/>
+              </a:spcBef>
+              <a:spcAft>
+                <a:spcPct val="0"/>
+              </a:spcAft>
+              <a:defRPr sz="3000">
+                <a:solidFill>
+                  <a:srgbClr val="414141"/>
+                </a:solidFill>
+                <a:latin typeface="Gill Sans Light" charset="0"/>
+                <a:ea typeface="ヒラギノ角ゴ ProN W3" charset="0"/>
+                <a:cs typeface="ヒラギノ角ゴ ProN W3" charset="0"/>
+                <a:sym typeface="Gill Sans Light" charset="0"/>
+              </a:defRPr>
+            </a:lvl6pPr>
+            <a:lvl7pPr marL="2971800" indent="-228600" algn="ctr" eaLnBrk="0" fontAlgn="base" hangingPunct="0">
+              <a:spcBef>
+                <a:spcPct val="0"/>
+              </a:spcBef>
+              <a:spcAft>
+                <a:spcPct val="0"/>
+              </a:spcAft>
+              <a:defRPr sz="3000">
+                <a:solidFill>
+                  <a:srgbClr val="414141"/>
+                </a:solidFill>
+                <a:latin typeface="Gill Sans Light" charset="0"/>
+                <a:ea typeface="ヒラギノ角ゴ ProN W3" charset="0"/>
+                <a:cs typeface="ヒラギノ角ゴ ProN W3" charset="0"/>
+                <a:sym typeface="Gill Sans Light" charset="0"/>
+              </a:defRPr>
+            </a:lvl7pPr>
+            <a:lvl8pPr marL="3429000" indent="-228600" algn="ctr" eaLnBrk="0" fontAlgn="base" hangingPunct="0">
+              <a:spcBef>
+                <a:spcPct val="0"/>
+              </a:spcBef>
+              <a:spcAft>
+                <a:spcPct val="0"/>
+              </a:spcAft>
+              <a:defRPr sz="3000">
+                <a:solidFill>
+                  <a:srgbClr val="414141"/>
+                </a:solidFill>
+                <a:latin typeface="Gill Sans Light" charset="0"/>
+                <a:ea typeface="ヒラギノ角ゴ ProN W3" charset="0"/>
+                <a:cs typeface="ヒラギノ角ゴ ProN W3" charset="0"/>
+                <a:sym typeface="Gill Sans Light" charset="0"/>
+              </a:defRPr>
+            </a:lvl8pPr>
+            <a:lvl9pPr marL="3886200" indent="-228600" algn="ctr" eaLnBrk="0" fontAlgn="base" hangingPunct="0">
+              <a:spcBef>
+                <a:spcPct val="0"/>
+              </a:spcBef>
+              <a:spcAft>
+                <a:spcPct val="0"/>
+              </a:spcAft>
+              <a:defRPr sz="3000">
+                <a:solidFill>
+                  <a:srgbClr val="414141"/>
+                </a:solidFill>
+                <a:latin typeface="Gill Sans Light" charset="0"/>
+                <a:ea typeface="ヒラギノ角ゴ ProN W3" charset="0"/>
+                <a:cs typeface="ヒラギノ角ゴ ProN W3" charset="0"/>
+                <a:sym typeface="Gill Sans Light" charset="0"/>
+              </a:defRPr>
+            </a:lvl9pPr>
+          </a:lstStyle>
+          <a:p>
+            <a:pPr eaLnBrk="1" hangingPunct="1"/>
+            <a:r>
               <a:rPr lang="it-IT" dirty="0"/>
               <a:t>Performances trade-off</a:t>
             </a:r>
           </a:p>
         </p:txBody>
       </p:sp>
-      <mc:AlternateContent xmlns:mc="http://schemas.openxmlformats.org/markup-compatibility/2006">
-        <mc:Choice xmlns:a14="http://schemas.microsoft.com/office/drawing/2010/main" Requires="a14">
+      <mc:AlternateContent xmlns:mc="http://schemas.openxmlformats.org/markup-compatibility/2006" xmlns:a14="http://schemas.microsoft.com/office/drawing/2010/main">
+        <mc:Choice Requires="a14">
           <p:sp>
             <p:nvSpPr>
               <p:cNvPr id="11" name="CasellaDiTesto 10"/>
@@ -4853,7 +5743,7 @@
             </p:txBody>
           </p:sp>
         </mc:Choice>
-        <mc:Fallback>
+        <mc:Fallback xmlns="">
           <p:sp>
             <p:nvSpPr>
               <p:cNvPr id="11" name="CasellaDiTesto 10"/>
@@ -4968,10 +5858,10 @@
           <a:lstStyle/>
           <a:p>
             <a:r>
-              <a:rPr lang="it-IT" sz="1400" dirty="0"/>
+              <a:rPr lang="it-IT" sz="1400" b="1" dirty="0"/>
               <a:t>Time</a:t>
             </a:r>
-            <a:endParaRPr lang="en-US" sz="1400" dirty="0"/>
+            <a:endParaRPr lang="en-US" sz="1400" b="1" dirty="0"/>
           </a:p>
         </p:txBody>
       </p:sp>
@@ -5004,10 +5894,10 @@
           <a:lstStyle/>
           <a:p>
             <a:r>
-              <a:rPr lang="it-IT" sz="1400" dirty="0"/>
+              <a:rPr lang="it-IT" sz="1400" b="1" dirty="0"/>
               <a:t>MSE</a:t>
             </a:r>
-            <a:endParaRPr lang="en-US" sz="1400" dirty="0"/>
+            <a:endParaRPr lang="en-US" sz="1400" b="1" dirty="0"/>
           </a:p>
         </p:txBody>
       </p:sp>
@@ -5064,8 +5954,8 @@
         </p:nvSpPr>
         <p:spPr>
           <a:xfrm rot="18887957">
-            <a:off x="4040299" y="4662217"/>
-            <a:ext cx="765110" cy="276999"/>
+            <a:off x="4040299" y="4646828"/>
+            <a:ext cx="765110" cy="307777"/>
           </a:xfrm>
           <a:prstGeom prst="rect">
             <a:avLst/>
@@ -5079,14 +5969,14 @@
           <a:lstStyle/>
           <a:p>
             <a:r>
-              <a:rPr lang="it-IT" sz="1200" dirty="0">
+              <a:rPr lang="it-IT" sz="1400" b="1" dirty="0">
                 <a:solidFill>
                   <a:schemeClr val="accent3"/>
                 </a:solidFill>
               </a:rPr>
               <a:t>Better</a:t>
             </a:r>
-            <a:endParaRPr lang="en-US" sz="1200" dirty="0">
+            <a:endParaRPr lang="en-US" sz="1400" b="1" dirty="0">
               <a:solidFill>
                 <a:schemeClr val="accent3"/>
               </a:solidFill>
@@ -5140,7 +6030,7 @@
           <a:lstStyle/>
           <a:p>
             <a:pPr algn="ctr"/>
-            <a:endParaRPr lang="en-US"/>
+            <a:endParaRPr lang="en-US" dirty="0"/>
           </a:p>
         </p:txBody>
       </p:sp>
@@ -5190,7 +6080,7 @@
           <a:lstStyle/>
           <a:p>
             <a:pPr algn="ctr"/>
-            <a:endParaRPr lang="en-US"/>
+            <a:endParaRPr lang="en-US" dirty="0"/>
           </a:p>
         </p:txBody>
       </p:sp>
@@ -5240,7 +6130,7 @@
           <a:lstStyle/>
           <a:p>
             <a:pPr algn="ctr"/>
-            <a:endParaRPr lang="en-US"/>
+            <a:endParaRPr lang="en-US" dirty="0"/>
           </a:p>
         </p:txBody>
       </p:sp>
@@ -5258,8 +6148,8 @@
         </p:nvSpPr>
         <p:spPr>
           <a:xfrm>
-            <a:off x="3004949" y="5659471"/>
-            <a:ext cx="499948" cy="276999"/>
+            <a:off x="2974621" y="5659471"/>
+            <a:ext cx="566206" cy="307777"/>
           </a:xfrm>
           <a:prstGeom prst="rect">
             <a:avLst/>
@@ -5273,14 +6163,14 @@
           <a:lstStyle/>
           <a:p>
             <a:r>
-              <a:rPr lang="it-IT" sz="1200" dirty="0">
+              <a:rPr lang="it-IT" sz="1400" b="1" dirty="0">
                 <a:solidFill>
                   <a:srgbClr val="FF0000"/>
                 </a:solidFill>
               </a:rPr>
               <a:t>Best</a:t>
             </a:r>
-            <a:endParaRPr lang="en-US" sz="1200" dirty="0">
+            <a:endParaRPr lang="en-US" sz="1400" b="1" dirty="0">
               <a:solidFill>
                 <a:srgbClr val="FF0000"/>
               </a:solidFill>
@@ -5334,7 +6224,7 @@
           <a:lstStyle/>
           <a:p>
             <a:pPr algn="ctr"/>
-            <a:endParaRPr lang="en-US"/>
+            <a:endParaRPr lang="en-US" dirty="0"/>
           </a:p>
         </p:txBody>
       </p:sp>
@@ -5514,7 +6404,7 @@
 </p:sld>
 </file>
 
-<file path=ppt/slides/slide11.xml><?xml version="1.0" encoding="utf-8"?>
+<file path=ppt/slides/slide12.xml><?xml version="1.0" encoding="utf-8"?>
 <p:sld xmlns:a="http://schemas.openxmlformats.org/drawingml/2006/main" xmlns:r="http://schemas.openxmlformats.org/officeDocument/2006/relationships" xmlns:p="http://schemas.openxmlformats.org/presentationml/2006/main">
   <p:cSld>
     <p:spTree>
@@ -5812,10 +6702,9 @@
               <a:t>Real </a:t>
             </a:r>
             <a:r>
-              <a:rPr lang="it-IT" dirty="0" err="1"/>
+              <a:rPr lang="en-US" dirty="0"/>
               <a:t>seabed</a:t>
             </a:r>
-            <a:endParaRPr lang="it-IT" dirty="0"/>
           </a:p>
         </p:txBody>
       </p:sp>
@@ -5861,7 +6750,7 @@
 </p:sld>
 </file>
 
-<file path=ppt/slides/slide12.xml><?xml version="1.0" encoding="utf-8"?>
+<file path=ppt/slides/slide13.xml><?xml version="1.0" encoding="utf-8"?>
 <p:sld xmlns:a="http://schemas.openxmlformats.org/drawingml/2006/main" xmlns:r="http://schemas.openxmlformats.org/officeDocument/2006/relationships" xmlns:p="http://schemas.openxmlformats.org/presentationml/2006/main">
   <p:cSld>
     <p:spTree>
@@ -6159,10 +7048,9 @@
               <a:t>Real </a:t>
             </a:r>
             <a:r>
-              <a:rPr lang="it-IT" dirty="0" err="1"/>
+              <a:rPr lang="en-US" dirty="0"/>
               <a:t>seabed</a:t>
             </a:r>
-            <a:endParaRPr lang="it-IT" dirty="0"/>
           </a:p>
         </p:txBody>
       </p:sp>
@@ -6265,7 +7153,7 @@
           <a:lstStyle/>
           <a:p>
             <a:r>
-              <a:rPr lang="it-IT" sz="1400" dirty="0" err="1"/>
+              <a:rPr lang="en-US" sz="1400" dirty="0"/>
               <a:t>Nearest</a:t>
             </a:r>
             <a:r>
@@ -6273,10 +7161,9 @@
               <a:t> </a:t>
             </a:r>
             <a:r>
-              <a:rPr lang="it-IT" sz="1400" dirty="0" err="1"/>
+              <a:rPr lang="en-GB" sz="1400" dirty="0"/>
               <a:t>Neighbour</a:t>
             </a:r>
-            <a:endParaRPr lang="en-US" sz="1400" dirty="0"/>
           </a:p>
         </p:txBody>
       </p:sp>
@@ -6348,10 +7235,9 @@
           <a:lstStyle/>
           <a:p>
             <a:r>
-              <a:rPr lang="it-IT" sz="1400" dirty="0" err="1"/>
+              <a:rPr lang="en-GB" sz="1400" dirty="0"/>
               <a:t>Kriging</a:t>
             </a:r>
-            <a:endParaRPr lang="en-US" sz="1400" dirty="0"/>
           </a:p>
         </p:txBody>
       </p:sp>
@@ -6368,7 +7254,7 @@
 </p:sld>
 </file>
 
-<file path=ppt/slides/slide13.xml><?xml version="1.0" encoding="utf-8"?>
+<file path=ppt/slides/slide14.xml><?xml version="1.0" encoding="utf-8"?>
 <p:sld xmlns:a="http://schemas.openxmlformats.org/drawingml/2006/main" xmlns:r="http://schemas.openxmlformats.org/officeDocument/2006/relationships" xmlns:p="http://schemas.openxmlformats.org/presentationml/2006/main">
   <p:cSld>
     <p:spTree>
@@ -6663,6 +7549,549 @@
             <a:pPr eaLnBrk="1" hangingPunct="1"/>
             <a:r>
               <a:rPr lang="en-US" dirty="0"/>
+              <a:t>Real</a:t>
+            </a:r>
+            <a:r>
+              <a:rPr lang="it-IT" dirty="0"/>
+              <a:t> </a:t>
+            </a:r>
+            <a:r>
+              <a:rPr lang="en-US" dirty="0"/>
+              <a:t>seabed</a:t>
+            </a:r>
+            <a:r>
+              <a:rPr lang="it-IT" dirty="0"/>
+              <a:t>: </a:t>
+            </a:r>
+            <a:r>
+              <a:rPr lang="en-US" dirty="0"/>
+              <a:t>results</a:t>
+            </a:r>
+          </a:p>
+        </p:txBody>
+      </p:sp>
+      <p:pic>
+        <p:nvPicPr>
+          <p:cNvPr id="3" name="Immagine 2">
+            <a:extLst>
+              <a:ext uri="{FF2B5EF4-FFF2-40B4-BE49-F238E27FC236}">
+                <a16:creationId xmlns:a16="http://schemas.microsoft.com/office/drawing/2014/main" id="{E8D3EF6E-0169-4426-840F-95D10307E3F9}"/>
+              </a:ext>
+            </a:extLst>
+          </p:cNvPr>
+          <p:cNvPicPr>
+            <a:picLocks noChangeAspect="1"/>
+          </p:cNvPicPr>
+          <p:nvPr/>
+        </p:nvPicPr>
+        <p:blipFill rotWithShape="1">
+          <a:blip r:embed="rId5"/>
+          <a:srcRect r="18831"/>
+          <a:stretch/>
+        </p:blipFill>
+        <p:spPr>
+          <a:xfrm>
+            <a:off x="174156" y="1218096"/>
+            <a:ext cx="2713154" cy="4421808"/>
+          </a:xfrm>
+          <a:prstGeom prst="rect">
+            <a:avLst/>
+          </a:prstGeom>
+        </p:spPr>
+      </p:pic>
+      <p:pic>
+        <p:nvPicPr>
+          <p:cNvPr id="5" name="Immagine 4">
+            <a:extLst>
+              <a:ext uri="{FF2B5EF4-FFF2-40B4-BE49-F238E27FC236}">
+                <a16:creationId xmlns:a16="http://schemas.microsoft.com/office/drawing/2014/main" id="{EBCE33DC-2718-441A-9D1F-7F3395593E45}"/>
+              </a:ext>
+            </a:extLst>
+          </p:cNvPr>
+          <p:cNvPicPr>
+            <a:picLocks noChangeAspect="1"/>
+          </p:cNvPicPr>
+          <p:nvPr/>
+        </p:nvPicPr>
+        <p:blipFill rotWithShape="1">
+          <a:blip r:embed="rId6"/>
+          <a:srcRect r="18540"/>
+          <a:stretch/>
+        </p:blipFill>
+        <p:spPr>
+          <a:xfrm>
+            <a:off x="2982897" y="1218096"/>
+            <a:ext cx="2722895" cy="4421808"/>
+          </a:xfrm>
+          <a:prstGeom prst="rect">
+            <a:avLst/>
+          </a:prstGeom>
+        </p:spPr>
+      </p:pic>
+      <p:pic>
+        <p:nvPicPr>
+          <p:cNvPr id="12" name="Immagine 11">
+            <a:extLst>
+              <a:ext uri="{FF2B5EF4-FFF2-40B4-BE49-F238E27FC236}">
+                <a16:creationId xmlns:a16="http://schemas.microsoft.com/office/drawing/2014/main" id="{676ABE7C-251C-400A-9F82-814F5ADCC87C}"/>
+              </a:ext>
+            </a:extLst>
+          </p:cNvPr>
+          <p:cNvPicPr>
+            <a:picLocks noChangeAspect="1"/>
+          </p:cNvPicPr>
+          <p:nvPr/>
+        </p:nvPicPr>
+        <p:blipFill>
+          <a:blip r:embed="rId7"/>
+          <a:stretch>
+            <a:fillRect/>
+          </a:stretch>
+        </p:blipFill>
+        <p:spPr>
+          <a:xfrm>
+            <a:off x="5801380" y="1218096"/>
+            <a:ext cx="3342619" cy="4421808"/>
+          </a:xfrm>
+          <a:prstGeom prst="rect">
+            <a:avLst/>
+          </a:prstGeom>
+        </p:spPr>
+      </p:pic>
+      <p:sp>
+        <p:nvSpPr>
+          <p:cNvPr id="13" name="CasellaDiTesto 12">
+            <a:extLst>
+              <a:ext uri="{FF2B5EF4-FFF2-40B4-BE49-F238E27FC236}">
+                <a16:creationId xmlns:a16="http://schemas.microsoft.com/office/drawing/2014/main" id="{7591AD66-C012-4222-A58B-78485B392537}"/>
+              </a:ext>
+            </a:extLst>
+          </p:cNvPr>
+          <p:cNvSpPr txBox="1"/>
+          <p:nvPr/>
+        </p:nvSpPr>
+        <p:spPr>
+          <a:xfrm>
+            <a:off x="206606" y="5371976"/>
+            <a:ext cx="1167307" cy="369332"/>
+          </a:xfrm>
+          <a:prstGeom prst="rect">
+            <a:avLst/>
+          </a:prstGeom>
+          <a:noFill/>
+        </p:spPr>
+        <p:txBody>
+          <a:bodyPr wrap="none" rtlCol="0">
+            <a:spAutoFit/>
+          </a:bodyPr>
+          <a:lstStyle/>
+          <a:p>
+            <a:pPr marL="285750" indent="-285750">
+              <a:buFont typeface="Arial" panose="020B0604020202020204" pitchFamily="34" charset="0"/>
+              <a:buChar char="•"/>
+            </a:pPr>
+            <a:r>
+              <a:rPr lang="en-US" dirty="0">
+                <a:latin typeface="Gill Sans Light"/>
+              </a:rPr>
+              <a:t>Original</a:t>
+            </a:r>
+          </a:p>
+        </p:txBody>
+      </p:sp>
+      <p:sp>
+        <p:nvSpPr>
+          <p:cNvPr id="14" name="CasellaDiTesto 13">
+            <a:extLst>
+              <a:ext uri="{FF2B5EF4-FFF2-40B4-BE49-F238E27FC236}">
+                <a16:creationId xmlns:a16="http://schemas.microsoft.com/office/drawing/2014/main" id="{173B0558-DC66-4F40-A218-8B709943BDAC}"/>
+              </a:ext>
+            </a:extLst>
+          </p:cNvPr>
+          <p:cNvSpPr txBox="1"/>
+          <p:nvPr/>
+        </p:nvSpPr>
+        <p:spPr>
+          <a:xfrm>
+            <a:off x="3171009" y="5371976"/>
+            <a:ext cx="1066318" cy="369332"/>
+          </a:xfrm>
+          <a:prstGeom prst="rect">
+            <a:avLst/>
+          </a:prstGeom>
+          <a:noFill/>
+        </p:spPr>
+        <p:txBody>
+          <a:bodyPr wrap="none" rtlCol="0">
+            <a:spAutoFit/>
+          </a:bodyPr>
+          <a:lstStyle/>
+          <a:p>
+            <a:pPr marL="285750" indent="-285750">
+              <a:buFont typeface="Arial" panose="020B0604020202020204" pitchFamily="34" charset="0"/>
+              <a:buChar char="•"/>
+            </a:pPr>
+            <a:r>
+              <a:rPr lang="en-US" dirty="0">
+                <a:latin typeface="Gill Sans Light"/>
+              </a:rPr>
+              <a:t>Kriging</a:t>
+            </a:r>
+          </a:p>
+        </p:txBody>
+      </p:sp>
+      <p:sp>
+        <p:nvSpPr>
+          <p:cNvPr id="15" name="CasellaDiTesto 14">
+            <a:extLst>
+              <a:ext uri="{FF2B5EF4-FFF2-40B4-BE49-F238E27FC236}">
+                <a16:creationId xmlns:a16="http://schemas.microsoft.com/office/drawing/2014/main" id="{2B4B78FE-A1BE-409F-8CB1-EC944ADDBB88}"/>
+              </a:ext>
+            </a:extLst>
+          </p:cNvPr>
+          <p:cNvSpPr txBox="1"/>
+          <p:nvPr/>
+        </p:nvSpPr>
+        <p:spPr>
+          <a:xfrm>
+            <a:off x="6105368" y="5371976"/>
+            <a:ext cx="2221634" cy="369332"/>
+          </a:xfrm>
+          <a:prstGeom prst="rect">
+            <a:avLst/>
+          </a:prstGeom>
+          <a:noFill/>
+        </p:spPr>
+        <p:txBody>
+          <a:bodyPr wrap="none" rtlCol="0">
+            <a:spAutoFit/>
+          </a:bodyPr>
+          <a:lstStyle/>
+          <a:p>
+            <a:pPr marL="285750" indent="-285750">
+              <a:buFont typeface="Arial" panose="020B0604020202020204" pitchFamily="34" charset="0"/>
+              <a:buChar char="•"/>
+            </a:pPr>
+            <a:r>
+              <a:rPr lang="it-IT" dirty="0">
+                <a:latin typeface="Gill Sans Light"/>
+              </a:rPr>
+              <a:t>Minimum curvature</a:t>
+            </a:r>
+            <a:endParaRPr lang="en-GB" dirty="0">
+              <a:latin typeface="Gill Sans Light"/>
+            </a:endParaRPr>
+          </a:p>
+        </p:txBody>
+      </p:sp>
+    </p:spTree>
+    <p:extLst>
+      <p:ext uri="{BB962C8B-B14F-4D97-AF65-F5344CB8AC3E}">
+        <p14:creationId xmlns:p14="http://schemas.microsoft.com/office/powerpoint/2010/main" val="3687428649"/>
+      </p:ext>
+    </p:extLst>
+  </p:cSld>
+  <p:clrMapOvr>
+    <a:masterClrMapping/>
+  </p:clrMapOvr>
+</p:sld>
+</file>
+
+<file path=ppt/slides/slide15.xml><?xml version="1.0" encoding="utf-8"?>
+<p:sld xmlns:a="http://schemas.openxmlformats.org/drawingml/2006/main" xmlns:r="http://schemas.openxmlformats.org/officeDocument/2006/relationships" xmlns:p="http://schemas.openxmlformats.org/presentationml/2006/main">
+  <p:cSld>
+    <p:spTree>
+      <p:nvGrpSpPr>
+        <p:cNvPr id="1" name=""/>
+        <p:cNvGrpSpPr/>
+        <p:nvPr/>
+      </p:nvGrpSpPr>
+      <p:grpSpPr>
+        <a:xfrm>
+          <a:off x="0" y="0"/>
+          <a:ext cx="0" cy="0"/>
+          <a:chOff x="0" y="0"/>
+          <a:chExt cx="0" cy="0"/>
+        </a:xfrm>
+      </p:grpSpPr>
+      <p:sp>
+        <p:nvSpPr>
+          <p:cNvPr id="6" name="Parallelogramma 5"/>
+          <p:cNvSpPr/>
+          <p:nvPr/>
+        </p:nvSpPr>
+        <p:spPr>
+          <a:xfrm>
+            <a:off x="-238532" y="6376663"/>
+            <a:ext cx="8472198" cy="481338"/>
+          </a:xfrm>
+          <a:prstGeom prst="parallelogram">
+            <a:avLst/>
+          </a:prstGeom>
+          <a:solidFill>
+            <a:srgbClr val="0F406B"/>
+          </a:solidFill>
+        </p:spPr>
+        <p:style>
+          <a:lnRef idx="1">
+            <a:schemeClr val="accent1"/>
+          </a:lnRef>
+          <a:fillRef idx="3">
+            <a:schemeClr val="accent1"/>
+          </a:fillRef>
+          <a:effectRef idx="2">
+            <a:schemeClr val="accent1"/>
+          </a:effectRef>
+          <a:fontRef idx="minor">
+            <a:schemeClr val="lt1"/>
+          </a:fontRef>
+        </p:style>
+        <p:txBody>
+          <a:bodyPr rtlCol="0" anchor="ctr"/>
+          <a:lstStyle/>
+          <a:p>
+            <a:pPr algn="ctr"/>
+            <a:endParaRPr lang="it-IT" dirty="0">
+              <a:solidFill>
+                <a:srgbClr val="0F406B"/>
+              </a:solidFill>
+            </a:endParaRPr>
+          </a:p>
+        </p:txBody>
+      </p:sp>
+      <p:pic>
+        <p:nvPicPr>
+          <p:cNvPr id="7" name="Immagine 6" descr="cherubino_pant541.eps"/>
+          <p:cNvPicPr>
+            <a:picLocks noChangeAspect="1"/>
+          </p:cNvPicPr>
+          <p:nvPr/>
+        </p:nvPicPr>
+        <p:blipFill>
+          <a:blip r:embed="rId3">
+            <a:extLst>
+              <a:ext uri="{28A0092B-C50C-407E-A947-70E740481C1C}">
+                <a14:useLocalDpi xmlns:a14="http://schemas.microsoft.com/office/drawing/2010/main" val="0"/>
+              </a:ext>
+            </a:extLst>
+          </a:blip>
+          <a:stretch>
+            <a:fillRect/>
+          </a:stretch>
+        </p:blipFill>
+        <p:spPr>
+          <a:xfrm>
+            <a:off x="8458200" y="6376662"/>
+            <a:ext cx="459462" cy="469067"/>
+          </a:xfrm>
+          <a:prstGeom prst="rect">
+            <a:avLst/>
+          </a:prstGeom>
+        </p:spPr>
+      </p:pic>
+      <p:pic>
+        <p:nvPicPr>
+          <p:cNvPr id="8" name="Immagine 7" descr="logo_white.eps"/>
+          <p:cNvPicPr>
+            <a:picLocks noChangeAspect="1"/>
+          </p:cNvPicPr>
+          <p:nvPr/>
+        </p:nvPicPr>
+        <p:blipFill>
+          <a:blip r:embed="rId4">
+            <a:extLst>
+              <a:ext uri="{28A0092B-C50C-407E-A947-70E740481C1C}">
+                <a14:useLocalDpi xmlns:a14="http://schemas.microsoft.com/office/drawing/2010/main" val="0"/>
+              </a:ext>
+            </a:extLst>
+          </a:blip>
+          <a:stretch>
+            <a:fillRect/>
+          </a:stretch>
+        </p:blipFill>
+        <p:spPr>
+          <a:xfrm>
+            <a:off x="5457607" y="6502430"/>
+            <a:ext cx="2395665" cy="220877"/>
+          </a:xfrm>
+          <a:prstGeom prst="rect">
+            <a:avLst/>
+          </a:prstGeom>
+        </p:spPr>
+      </p:pic>
+      <p:sp>
+        <p:nvSpPr>
+          <p:cNvPr id="10" name="CasellaDiTesto 1"/>
+          <p:cNvSpPr txBox="1">
+            <a:spLocks noChangeArrowheads="1"/>
+          </p:cNvSpPr>
+          <p:nvPr/>
+        </p:nvSpPr>
+        <p:spPr bwMode="auto">
+          <a:xfrm>
+            <a:off x="1230833" y="594306"/>
+            <a:ext cx="6309666" cy="553998"/>
+          </a:xfrm>
+          <a:prstGeom prst="rect">
+            <a:avLst/>
+          </a:prstGeom>
+          <a:noFill/>
+          <a:ln>
+            <a:noFill/>
+          </a:ln>
+          <a:extLst>
+            <a:ext uri="{909E8E84-426E-40DD-AFC4-6F175D3DCCD1}">
+              <a14:hiddenFill xmlns:a14="http://schemas.microsoft.com/office/drawing/2010/main">
+                <a:solidFill>
+                  <a:srgbClr val="FFFFFF"/>
+                </a:solidFill>
+              </a14:hiddenFill>
+            </a:ext>
+            <a:ext uri="{91240B29-F687-4F45-9708-019B960494DF}">
+              <a14:hiddenLine xmlns:a14="http://schemas.microsoft.com/office/drawing/2010/main" w="9525">
+                <a:solidFill>
+                  <a:srgbClr val="000000"/>
+                </a:solidFill>
+                <a:miter lim="800000"/>
+                <a:headEnd/>
+                <a:tailEnd/>
+              </a14:hiddenLine>
+            </a:ext>
+          </a:extLst>
+        </p:spPr>
+        <p:txBody>
+          <a:bodyPr wrap="square">
+            <a:spAutoFit/>
+          </a:bodyPr>
+          <a:lstStyle>
+            <a:lvl1pPr eaLnBrk="0" hangingPunct="0">
+              <a:defRPr sz="3000">
+                <a:solidFill>
+                  <a:srgbClr val="414141"/>
+                </a:solidFill>
+                <a:latin typeface="Gill Sans Light" charset="0"/>
+                <a:ea typeface="ヒラギノ角ゴ ProN W3" charset="0"/>
+                <a:cs typeface="ヒラギノ角ゴ ProN W3" charset="0"/>
+                <a:sym typeface="Gill Sans Light" charset="0"/>
+              </a:defRPr>
+            </a:lvl1pPr>
+            <a:lvl2pPr marL="742950" indent="-285750" eaLnBrk="0" hangingPunct="0">
+              <a:defRPr sz="3000">
+                <a:solidFill>
+                  <a:srgbClr val="414141"/>
+                </a:solidFill>
+                <a:latin typeface="Gill Sans Light" charset="0"/>
+                <a:ea typeface="ヒラギノ角ゴ ProN W3" charset="0"/>
+                <a:cs typeface="ヒラギノ角ゴ ProN W3" charset="0"/>
+                <a:sym typeface="Gill Sans Light" charset="0"/>
+              </a:defRPr>
+            </a:lvl2pPr>
+            <a:lvl3pPr marL="1143000" indent="-228600" eaLnBrk="0" hangingPunct="0">
+              <a:defRPr sz="3000">
+                <a:solidFill>
+                  <a:srgbClr val="414141"/>
+                </a:solidFill>
+                <a:latin typeface="Gill Sans Light" charset="0"/>
+                <a:ea typeface="ヒラギノ角ゴ ProN W3" charset="0"/>
+                <a:cs typeface="ヒラギノ角ゴ ProN W3" charset="0"/>
+                <a:sym typeface="Gill Sans Light" charset="0"/>
+              </a:defRPr>
+            </a:lvl3pPr>
+            <a:lvl4pPr marL="1600200" indent="-228600" eaLnBrk="0" hangingPunct="0">
+              <a:defRPr sz="3000">
+                <a:solidFill>
+                  <a:srgbClr val="414141"/>
+                </a:solidFill>
+                <a:latin typeface="Gill Sans Light" charset="0"/>
+                <a:ea typeface="ヒラギノ角ゴ ProN W3" charset="0"/>
+                <a:cs typeface="ヒラギノ角ゴ ProN W3" charset="0"/>
+                <a:sym typeface="Gill Sans Light" charset="0"/>
+              </a:defRPr>
+            </a:lvl4pPr>
+            <a:lvl5pPr marL="2057400" indent="-228600" eaLnBrk="0" hangingPunct="0">
+              <a:defRPr sz="3000">
+                <a:solidFill>
+                  <a:srgbClr val="414141"/>
+                </a:solidFill>
+                <a:latin typeface="Gill Sans Light" charset="0"/>
+                <a:ea typeface="ヒラギノ角ゴ ProN W3" charset="0"/>
+                <a:cs typeface="ヒラギノ角ゴ ProN W3" charset="0"/>
+                <a:sym typeface="Gill Sans Light" charset="0"/>
+              </a:defRPr>
+            </a:lvl5pPr>
+            <a:lvl6pPr marL="2514600" indent="-228600" algn="ctr" eaLnBrk="0" fontAlgn="base" hangingPunct="0">
+              <a:spcBef>
+                <a:spcPct val="0"/>
+              </a:spcBef>
+              <a:spcAft>
+                <a:spcPct val="0"/>
+              </a:spcAft>
+              <a:defRPr sz="3000">
+                <a:solidFill>
+                  <a:srgbClr val="414141"/>
+                </a:solidFill>
+                <a:latin typeface="Gill Sans Light" charset="0"/>
+                <a:ea typeface="ヒラギノ角ゴ ProN W3" charset="0"/>
+                <a:cs typeface="ヒラギノ角ゴ ProN W3" charset="0"/>
+                <a:sym typeface="Gill Sans Light" charset="0"/>
+              </a:defRPr>
+            </a:lvl6pPr>
+            <a:lvl7pPr marL="2971800" indent="-228600" algn="ctr" eaLnBrk="0" fontAlgn="base" hangingPunct="0">
+              <a:spcBef>
+                <a:spcPct val="0"/>
+              </a:spcBef>
+              <a:spcAft>
+                <a:spcPct val="0"/>
+              </a:spcAft>
+              <a:defRPr sz="3000">
+                <a:solidFill>
+                  <a:srgbClr val="414141"/>
+                </a:solidFill>
+                <a:latin typeface="Gill Sans Light" charset="0"/>
+                <a:ea typeface="ヒラギノ角ゴ ProN W3" charset="0"/>
+                <a:cs typeface="ヒラギノ角ゴ ProN W3" charset="0"/>
+                <a:sym typeface="Gill Sans Light" charset="0"/>
+              </a:defRPr>
+            </a:lvl7pPr>
+            <a:lvl8pPr marL="3429000" indent="-228600" algn="ctr" eaLnBrk="0" fontAlgn="base" hangingPunct="0">
+              <a:spcBef>
+                <a:spcPct val="0"/>
+              </a:spcBef>
+              <a:spcAft>
+                <a:spcPct val="0"/>
+              </a:spcAft>
+              <a:defRPr sz="3000">
+                <a:solidFill>
+                  <a:srgbClr val="414141"/>
+                </a:solidFill>
+                <a:latin typeface="Gill Sans Light" charset="0"/>
+                <a:ea typeface="ヒラギノ角ゴ ProN W3" charset="0"/>
+                <a:cs typeface="ヒラギノ角ゴ ProN W3" charset="0"/>
+                <a:sym typeface="Gill Sans Light" charset="0"/>
+              </a:defRPr>
+            </a:lvl8pPr>
+            <a:lvl9pPr marL="3886200" indent="-228600" algn="ctr" eaLnBrk="0" fontAlgn="base" hangingPunct="0">
+              <a:spcBef>
+                <a:spcPct val="0"/>
+              </a:spcBef>
+              <a:spcAft>
+                <a:spcPct val="0"/>
+              </a:spcAft>
+              <a:defRPr sz="3000">
+                <a:solidFill>
+                  <a:srgbClr val="414141"/>
+                </a:solidFill>
+                <a:latin typeface="Gill Sans Light" charset="0"/>
+                <a:ea typeface="ヒラギノ角ゴ ProN W3" charset="0"/>
+                <a:cs typeface="ヒラギノ角ゴ ProN W3" charset="0"/>
+                <a:sym typeface="Gill Sans Light" charset="0"/>
+              </a:defRPr>
+            </a:lvl9pPr>
+          </a:lstStyle>
+          <a:p>
+            <a:pPr eaLnBrk="1" hangingPunct="1"/>
+            <a:r>
+              <a:rPr lang="en-US" dirty="0"/>
               <a:t>Gaussian</a:t>
             </a:r>
             <a:r>
@@ -6684,8 +8113,8 @@
           </a:p>
         </p:txBody>
       </p:sp>
-      <mc:AlternateContent xmlns:mc="http://schemas.openxmlformats.org/markup-compatibility/2006">
-        <mc:Choice xmlns:a14="http://schemas.microsoft.com/office/drawing/2010/main" Requires="a14">
+      <mc:AlternateContent xmlns:mc="http://schemas.openxmlformats.org/markup-compatibility/2006" xmlns:a14="http://schemas.microsoft.com/office/drawing/2010/main">
+        <mc:Choice Requires="a14">
           <p:graphicFrame>
             <p:nvGraphicFramePr>
               <p:cNvPr id="9" name="Tabella 8">
@@ -6767,7 +8196,9 @@
                               </m:oMathParaPr>
                               <m:oMath xmlns:m="http://schemas.openxmlformats.org/officeDocument/2006/math">
                                 <m:r>
-                                  <a:rPr lang="en-US" sz="1600" dirty="0" smtClean="0"/>
+                                  <a:rPr lang="en-US" sz="1600" dirty="0" smtClean="0">
+                                    <a:latin typeface="Cambria Math" panose="02040503050406030204" pitchFamily="18" charset="0"/>
+                                  </a:rPr>
                                   <m:t>𝑀𝑆𝐸</m:t>
                                 </m:r>
                               </m:oMath>
@@ -6784,30 +8215,40 @@
                               </m:oMathParaPr>
                               <m:oMath xmlns:m="http://schemas.openxmlformats.org/officeDocument/2006/math">
                                 <m:r>
-                                  <a:rPr lang="it-IT" sz="1600" smtClean="0"/>
+                                  <a:rPr lang="it-IT" sz="1600" smtClean="0">
+                                    <a:latin typeface="Cambria Math" panose="02040503050406030204" pitchFamily="18" charset="0"/>
+                                  </a:rPr>
                                   <m:t>(</m:t>
                                 </m:r>
                                 <m:sSup>
                                   <m:sSupPr>
                                     <m:ctrlPr>
-                                      <a:rPr lang="it-IT" sz="1600" smtClean="0"/>
+                                      <a:rPr lang="it-IT" sz="1600" i="1" smtClean="0">
+                                        <a:latin typeface="Cambria Math" panose="02040503050406030204" pitchFamily="18" charset="0"/>
+                                      </a:rPr>
                                     </m:ctrlPr>
                                   </m:sSupPr>
                                   <m:e>
                                     <m:r>
-                                      <a:rPr lang="it-IT" sz="1600" smtClean="0"/>
+                                      <a:rPr lang="it-IT" sz="1600" smtClean="0">
+                                        <a:latin typeface="Cambria Math" panose="02040503050406030204" pitchFamily="18" charset="0"/>
+                                      </a:rPr>
                                       <m:t>𝒎</m:t>
                                     </m:r>
                                   </m:e>
                                   <m:sup>
                                     <m:r>
-                                      <a:rPr lang="it-IT" sz="1600" smtClean="0"/>
+                                      <a:rPr lang="it-IT" sz="1600" smtClean="0">
+                                        <a:latin typeface="Cambria Math" panose="02040503050406030204" pitchFamily="18" charset="0"/>
+                                      </a:rPr>
                                       <m:t>𝟐</m:t>
                                     </m:r>
                                   </m:sup>
                                 </m:sSup>
                                 <m:r>
-                                  <a:rPr lang="it-IT" sz="1600" smtClean="0"/>
+                                  <a:rPr lang="it-IT" sz="1600" smtClean="0">
+                                    <a:latin typeface="Cambria Math" panose="02040503050406030204" pitchFamily="18" charset="0"/>
+                                  </a:rPr>
                                   <m:t>)</m:t>
                                 </m:r>
                               </m:oMath>
@@ -6833,18 +8274,24 @@
                                 <m:sSub>
                                   <m:sSubPr>
                                     <m:ctrlPr>
-                                      <a:rPr lang="en-US" sz="1600" smtClean="0"/>
+                                      <a:rPr lang="en-US" sz="1600" i="1" smtClean="0">
+                                        <a:latin typeface="Cambria Math" panose="02040503050406030204" pitchFamily="18" charset="0"/>
+                                      </a:rPr>
                                     </m:ctrlPr>
                                   </m:sSubPr>
                                   <m:e>
                                     <m:r>
-                                      <a:rPr lang="it-IT" sz="1600" smtClean="0"/>
+                                      <a:rPr lang="it-IT" sz="1600" smtClean="0">
+                                        <a:latin typeface="Cambria Math" panose="02040503050406030204" pitchFamily="18" charset="0"/>
+                                      </a:rPr>
                                       <m:t>𝑻</m:t>
                                     </m:r>
                                   </m:e>
                                   <m:sub>
                                     <m:r>
-                                      <a:rPr lang="it-IT" sz="1600" smtClean="0"/>
+                                      <a:rPr lang="it-IT" sz="1600" smtClean="0">
+                                        <a:latin typeface="Cambria Math" panose="02040503050406030204" pitchFamily="18" charset="0"/>
+                                      </a:rPr>
                                       <m:t>𝒆𝒙𝒆</m:t>
                                     </m:r>
                                   </m:sub>
@@ -6863,15 +8310,21 @@
                               </m:oMathParaPr>
                               <m:oMath xmlns:m="http://schemas.openxmlformats.org/officeDocument/2006/math">
                                 <m:r>
-                                  <a:rPr lang="it-IT" sz="1600" smtClean="0"/>
+                                  <a:rPr lang="it-IT" sz="1600" smtClean="0">
+                                    <a:latin typeface="Cambria Math" panose="02040503050406030204" pitchFamily="18" charset="0"/>
+                                  </a:rPr>
                                   <m:t>(</m:t>
                                 </m:r>
                                 <m:r>
-                                  <a:rPr lang="it-IT" sz="1600" smtClean="0"/>
+                                  <a:rPr lang="it-IT" sz="1600" smtClean="0">
+                                    <a:latin typeface="Cambria Math" panose="02040503050406030204" pitchFamily="18" charset="0"/>
+                                  </a:rPr>
                                   <m:t>𝒔</m:t>
                                 </m:r>
                                 <m:r>
-                                  <a:rPr lang="it-IT" sz="1600" smtClean="0"/>
+                                  <a:rPr lang="it-IT" sz="1600" smtClean="0">
+                                    <a:latin typeface="Cambria Math" panose="02040503050406030204" pitchFamily="18" charset="0"/>
+                                  </a:rPr>
                                   <m:t>)</m:t>
                                 </m:r>
                               </m:oMath>
@@ -7557,7 +9010,7 @@
             </a:graphic>
           </p:graphicFrame>
         </mc:Choice>
-        <mc:Fallback>
+        <mc:Fallback xmlns="">
           <p:graphicFrame>
             <p:nvGraphicFramePr>
               <p:cNvPr id="9" name="Tabella 8">
@@ -8349,7 +9802,7 @@
 </p:sld>
 </file>
 
-<file path=ppt/slides/slide14.xml><?xml version="1.0" encoding="utf-8"?>
+<file path=ppt/slides/slide16.xml><?xml version="1.0" encoding="utf-8"?>
 <p:sld xmlns:a="http://schemas.openxmlformats.org/drawingml/2006/main" xmlns:r="http://schemas.openxmlformats.org/officeDocument/2006/relationships" xmlns:p="http://schemas.openxmlformats.org/presentationml/2006/main">
   <p:cSld>
     <p:spTree>
@@ -8643,7 +10096,7 @@
           <a:p>
             <a:pPr eaLnBrk="1" hangingPunct="1"/>
             <a:r>
-              <a:rPr lang="it-IT" dirty="0" err="1"/>
+              <a:rPr lang="en-US" dirty="0"/>
               <a:t>Gaussian</a:t>
             </a:r>
             <a:r>
@@ -8651,12 +10104,16 @@
               <a:t> </a:t>
             </a:r>
             <a:r>
-              <a:rPr lang="it-IT" dirty="0" err="1"/>
+              <a:rPr lang="en-US" dirty="0"/>
               <a:t>seabed</a:t>
             </a:r>
             <a:r>
               <a:rPr lang="it-IT" dirty="0"/>
-              <a:t> 100m x 100m</a:t>
+              <a:t> 100m x 100m: </a:t>
+            </a:r>
+            <a:r>
+              <a:rPr lang="en-US" dirty="0"/>
+              <a:t>results</a:t>
             </a:r>
           </a:p>
         </p:txBody>
@@ -8694,6 +10151,553 @@
     <p:extLst>
       <p:ext uri="{BB962C8B-B14F-4D97-AF65-F5344CB8AC3E}">
         <p14:creationId xmlns:p14="http://schemas.microsoft.com/office/powerpoint/2010/main" val="510616594"/>
+      </p:ext>
+    </p:extLst>
+  </p:cSld>
+  <p:clrMapOvr>
+    <a:masterClrMapping/>
+  </p:clrMapOvr>
+</p:sld>
+</file>
+
+<file path=ppt/slides/slide17.xml><?xml version="1.0" encoding="utf-8"?>
+<p:sld xmlns:a="http://schemas.openxmlformats.org/drawingml/2006/main" xmlns:r="http://schemas.openxmlformats.org/officeDocument/2006/relationships" xmlns:p="http://schemas.openxmlformats.org/presentationml/2006/main">
+  <p:cSld>
+    <p:spTree>
+      <p:nvGrpSpPr>
+        <p:cNvPr id="1" name=""/>
+        <p:cNvGrpSpPr/>
+        <p:nvPr/>
+      </p:nvGrpSpPr>
+      <p:grpSpPr>
+        <a:xfrm>
+          <a:off x="0" y="0"/>
+          <a:ext cx="0" cy="0"/>
+          <a:chOff x="0" y="0"/>
+          <a:chExt cx="0" cy="0"/>
+        </a:xfrm>
+      </p:grpSpPr>
+      <p:sp>
+        <p:nvSpPr>
+          <p:cNvPr id="6" name="Parallelogramma 5"/>
+          <p:cNvSpPr/>
+          <p:nvPr/>
+        </p:nvSpPr>
+        <p:spPr>
+          <a:xfrm>
+            <a:off x="-238532" y="6376663"/>
+            <a:ext cx="8472198" cy="481338"/>
+          </a:xfrm>
+          <a:prstGeom prst="parallelogram">
+            <a:avLst/>
+          </a:prstGeom>
+          <a:solidFill>
+            <a:srgbClr val="0F406B"/>
+          </a:solidFill>
+        </p:spPr>
+        <p:style>
+          <a:lnRef idx="1">
+            <a:schemeClr val="accent1"/>
+          </a:lnRef>
+          <a:fillRef idx="3">
+            <a:schemeClr val="accent1"/>
+          </a:fillRef>
+          <a:effectRef idx="2">
+            <a:schemeClr val="accent1"/>
+          </a:effectRef>
+          <a:fontRef idx="minor">
+            <a:schemeClr val="lt1"/>
+          </a:fontRef>
+        </p:style>
+        <p:txBody>
+          <a:bodyPr rtlCol="0" anchor="ctr"/>
+          <a:lstStyle/>
+          <a:p>
+            <a:pPr algn="ctr"/>
+            <a:endParaRPr lang="it-IT" dirty="0">
+              <a:solidFill>
+                <a:srgbClr val="0F406B"/>
+              </a:solidFill>
+            </a:endParaRPr>
+          </a:p>
+        </p:txBody>
+      </p:sp>
+      <p:pic>
+        <p:nvPicPr>
+          <p:cNvPr id="7" name="Immagine 6" descr="cherubino_pant541.eps"/>
+          <p:cNvPicPr>
+            <a:picLocks noChangeAspect="1"/>
+          </p:cNvPicPr>
+          <p:nvPr/>
+        </p:nvPicPr>
+        <p:blipFill>
+          <a:blip r:embed="rId3">
+            <a:extLst>
+              <a:ext uri="{28A0092B-C50C-407E-A947-70E740481C1C}">
+                <a14:useLocalDpi xmlns:a14="http://schemas.microsoft.com/office/drawing/2010/main" val="0"/>
+              </a:ext>
+            </a:extLst>
+          </a:blip>
+          <a:stretch>
+            <a:fillRect/>
+          </a:stretch>
+        </p:blipFill>
+        <p:spPr>
+          <a:xfrm>
+            <a:off x="8458200" y="6376662"/>
+            <a:ext cx="459462" cy="469067"/>
+          </a:xfrm>
+          <a:prstGeom prst="rect">
+            <a:avLst/>
+          </a:prstGeom>
+        </p:spPr>
+      </p:pic>
+      <p:pic>
+        <p:nvPicPr>
+          <p:cNvPr id="8" name="Immagine 7" descr="logo_white.eps"/>
+          <p:cNvPicPr>
+            <a:picLocks noChangeAspect="1"/>
+          </p:cNvPicPr>
+          <p:nvPr/>
+        </p:nvPicPr>
+        <p:blipFill>
+          <a:blip r:embed="rId4">
+            <a:extLst>
+              <a:ext uri="{28A0092B-C50C-407E-A947-70E740481C1C}">
+                <a14:useLocalDpi xmlns:a14="http://schemas.microsoft.com/office/drawing/2010/main" val="0"/>
+              </a:ext>
+            </a:extLst>
+          </a:blip>
+          <a:stretch>
+            <a:fillRect/>
+          </a:stretch>
+        </p:blipFill>
+        <p:spPr>
+          <a:xfrm>
+            <a:off x="5457607" y="6502430"/>
+            <a:ext cx="2395665" cy="220877"/>
+          </a:xfrm>
+          <a:prstGeom prst="rect">
+            <a:avLst/>
+          </a:prstGeom>
+        </p:spPr>
+      </p:pic>
+      <p:sp>
+        <p:nvSpPr>
+          <p:cNvPr id="10" name="CasellaDiTesto 1"/>
+          <p:cNvSpPr txBox="1">
+            <a:spLocks noChangeArrowheads="1"/>
+          </p:cNvSpPr>
+          <p:nvPr/>
+        </p:nvSpPr>
+        <p:spPr bwMode="auto">
+          <a:xfrm>
+            <a:off x="1230833" y="594306"/>
+            <a:ext cx="6309666" cy="553998"/>
+          </a:xfrm>
+          <a:prstGeom prst="rect">
+            <a:avLst/>
+          </a:prstGeom>
+          <a:noFill/>
+          <a:ln>
+            <a:noFill/>
+          </a:ln>
+          <a:extLst>
+            <a:ext uri="{909E8E84-426E-40DD-AFC4-6F175D3DCCD1}">
+              <a14:hiddenFill xmlns:a14="http://schemas.microsoft.com/office/drawing/2010/main">
+                <a:solidFill>
+                  <a:srgbClr val="FFFFFF"/>
+                </a:solidFill>
+              </a14:hiddenFill>
+            </a:ext>
+            <a:ext uri="{91240B29-F687-4F45-9708-019B960494DF}">
+              <a14:hiddenLine xmlns:a14="http://schemas.microsoft.com/office/drawing/2010/main" w="9525">
+                <a:solidFill>
+                  <a:srgbClr val="000000"/>
+                </a:solidFill>
+                <a:miter lim="800000"/>
+                <a:headEnd/>
+                <a:tailEnd/>
+              </a14:hiddenLine>
+            </a:ext>
+          </a:extLst>
+        </p:spPr>
+        <p:txBody>
+          <a:bodyPr wrap="square">
+            <a:spAutoFit/>
+          </a:bodyPr>
+          <a:lstStyle>
+            <a:lvl1pPr eaLnBrk="0" hangingPunct="0">
+              <a:defRPr sz="3000">
+                <a:solidFill>
+                  <a:srgbClr val="414141"/>
+                </a:solidFill>
+                <a:latin typeface="Gill Sans Light" charset="0"/>
+                <a:ea typeface="ヒラギノ角ゴ ProN W3" charset="0"/>
+                <a:cs typeface="ヒラギノ角ゴ ProN W3" charset="0"/>
+                <a:sym typeface="Gill Sans Light" charset="0"/>
+              </a:defRPr>
+            </a:lvl1pPr>
+            <a:lvl2pPr marL="742950" indent="-285750" eaLnBrk="0" hangingPunct="0">
+              <a:defRPr sz="3000">
+                <a:solidFill>
+                  <a:srgbClr val="414141"/>
+                </a:solidFill>
+                <a:latin typeface="Gill Sans Light" charset="0"/>
+                <a:ea typeface="ヒラギノ角ゴ ProN W3" charset="0"/>
+                <a:cs typeface="ヒラギノ角ゴ ProN W3" charset="0"/>
+                <a:sym typeface="Gill Sans Light" charset="0"/>
+              </a:defRPr>
+            </a:lvl2pPr>
+            <a:lvl3pPr marL="1143000" indent="-228600" eaLnBrk="0" hangingPunct="0">
+              <a:defRPr sz="3000">
+                <a:solidFill>
+                  <a:srgbClr val="414141"/>
+                </a:solidFill>
+                <a:latin typeface="Gill Sans Light" charset="0"/>
+                <a:ea typeface="ヒラギノ角ゴ ProN W3" charset="0"/>
+                <a:cs typeface="ヒラギノ角ゴ ProN W3" charset="0"/>
+                <a:sym typeface="Gill Sans Light" charset="0"/>
+              </a:defRPr>
+            </a:lvl3pPr>
+            <a:lvl4pPr marL="1600200" indent="-228600" eaLnBrk="0" hangingPunct="0">
+              <a:defRPr sz="3000">
+                <a:solidFill>
+                  <a:srgbClr val="414141"/>
+                </a:solidFill>
+                <a:latin typeface="Gill Sans Light" charset="0"/>
+                <a:ea typeface="ヒラギノ角ゴ ProN W3" charset="0"/>
+                <a:cs typeface="ヒラギノ角ゴ ProN W3" charset="0"/>
+                <a:sym typeface="Gill Sans Light" charset="0"/>
+              </a:defRPr>
+            </a:lvl4pPr>
+            <a:lvl5pPr marL="2057400" indent="-228600" eaLnBrk="0" hangingPunct="0">
+              <a:defRPr sz="3000">
+                <a:solidFill>
+                  <a:srgbClr val="414141"/>
+                </a:solidFill>
+                <a:latin typeface="Gill Sans Light" charset="0"/>
+                <a:ea typeface="ヒラギノ角ゴ ProN W3" charset="0"/>
+                <a:cs typeface="ヒラギノ角ゴ ProN W3" charset="0"/>
+                <a:sym typeface="Gill Sans Light" charset="0"/>
+              </a:defRPr>
+            </a:lvl5pPr>
+            <a:lvl6pPr marL="2514600" indent="-228600" algn="ctr" eaLnBrk="0" fontAlgn="base" hangingPunct="0">
+              <a:spcBef>
+                <a:spcPct val="0"/>
+              </a:spcBef>
+              <a:spcAft>
+                <a:spcPct val="0"/>
+              </a:spcAft>
+              <a:defRPr sz="3000">
+                <a:solidFill>
+                  <a:srgbClr val="414141"/>
+                </a:solidFill>
+                <a:latin typeface="Gill Sans Light" charset="0"/>
+                <a:ea typeface="ヒラギノ角ゴ ProN W3" charset="0"/>
+                <a:cs typeface="ヒラギノ角ゴ ProN W3" charset="0"/>
+                <a:sym typeface="Gill Sans Light" charset="0"/>
+              </a:defRPr>
+            </a:lvl6pPr>
+            <a:lvl7pPr marL="2971800" indent="-228600" algn="ctr" eaLnBrk="0" fontAlgn="base" hangingPunct="0">
+              <a:spcBef>
+                <a:spcPct val="0"/>
+              </a:spcBef>
+              <a:spcAft>
+                <a:spcPct val="0"/>
+              </a:spcAft>
+              <a:defRPr sz="3000">
+                <a:solidFill>
+                  <a:srgbClr val="414141"/>
+                </a:solidFill>
+                <a:latin typeface="Gill Sans Light" charset="0"/>
+                <a:ea typeface="ヒラギノ角ゴ ProN W3" charset="0"/>
+                <a:cs typeface="ヒラギノ角ゴ ProN W3" charset="0"/>
+                <a:sym typeface="Gill Sans Light" charset="0"/>
+              </a:defRPr>
+            </a:lvl7pPr>
+            <a:lvl8pPr marL="3429000" indent="-228600" algn="ctr" eaLnBrk="0" fontAlgn="base" hangingPunct="0">
+              <a:spcBef>
+                <a:spcPct val="0"/>
+              </a:spcBef>
+              <a:spcAft>
+                <a:spcPct val="0"/>
+              </a:spcAft>
+              <a:defRPr sz="3000">
+                <a:solidFill>
+                  <a:srgbClr val="414141"/>
+                </a:solidFill>
+                <a:latin typeface="Gill Sans Light" charset="0"/>
+                <a:ea typeface="ヒラギノ角ゴ ProN W3" charset="0"/>
+                <a:cs typeface="ヒラギノ角ゴ ProN W3" charset="0"/>
+                <a:sym typeface="Gill Sans Light" charset="0"/>
+              </a:defRPr>
+            </a:lvl8pPr>
+            <a:lvl9pPr marL="3886200" indent="-228600" algn="ctr" eaLnBrk="0" fontAlgn="base" hangingPunct="0">
+              <a:spcBef>
+                <a:spcPct val="0"/>
+              </a:spcBef>
+              <a:spcAft>
+                <a:spcPct val="0"/>
+              </a:spcAft>
+              <a:defRPr sz="3000">
+                <a:solidFill>
+                  <a:srgbClr val="414141"/>
+                </a:solidFill>
+                <a:latin typeface="Gill Sans Light" charset="0"/>
+                <a:ea typeface="ヒラギノ角ゴ ProN W3" charset="0"/>
+                <a:cs typeface="ヒラギノ角ゴ ProN W3" charset="0"/>
+                <a:sym typeface="Gill Sans Light" charset="0"/>
+              </a:defRPr>
+            </a:lvl9pPr>
+          </a:lstStyle>
+          <a:p>
+            <a:pPr eaLnBrk="1" hangingPunct="1"/>
+            <a:r>
+              <a:rPr lang="en-US" dirty="0"/>
+              <a:t>Gaussian</a:t>
+            </a:r>
+            <a:r>
+              <a:rPr lang="it-IT" dirty="0"/>
+              <a:t> </a:t>
+            </a:r>
+            <a:r>
+              <a:rPr lang="en-US" dirty="0"/>
+              <a:t>seabed</a:t>
+            </a:r>
+            <a:r>
+              <a:rPr lang="it-IT" dirty="0"/>
+              <a:t> 100m x 100m: </a:t>
+            </a:r>
+            <a:r>
+              <a:rPr lang="en-US" dirty="0"/>
+              <a:t>results</a:t>
+            </a:r>
+          </a:p>
+        </p:txBody>
+      </p:sp>
+      <p:pic>
+        <p:nvPicPr>
+          <p:cNvPr id="3" name="Immagine 2">
+            <a:extLst>
+              <a:ext uri="{FF2B5EF4-FFF2-40B4-BE49-F238E27FC236}">
+                <a16:creationId xmlns:a16="http://schemas.microsoft.com/office/drawing/2014/main" id="{E8D3EF6E-0169-4426-840F-95D10307E3F9}"/>
+              </a:ext>
+            </a:extLst>
+          </p:cNvPr>
+          <p:cNvPicPr>
+            <a:picLocks noChangeAspect="1"/>
+          </p:cNvPicPr>
+          <p:nvPr/>
+        </p:nvPicPr>
+        <p:blipFill rotWithShape="1">
+          <a:blip r:embed="rId5"/>
+          <a:srcRect r="18831"/>
+          <a:stretch>
+            <a:fillRect/>
+          </a:stretch>
+        </p:blipFill>
+        <p:spPr>
+          <a:xfrm>
+            <a:off x="265822" y="1218096"/>
+            <a:ext cx="2722896" cy="4421808"/>
+          </a:xfrm>
+          <a:prstGeom prst="rect">
+            <a:avLst/>
+          </a:prstGeom>
+        </p:spPr>
+      </p:pic>
+      <p:pic>
+        <p:nvPicPr>
+          <p:cNvPr id="5" name="Immagine 4">
+            <a:extLst>
+              <a:ext uri="{FF2B5EF4-FFF2-40B4-BE49-F238E27FC236}">
+                <a16:creationId xmlns:a16="http://schemas.microsoft.com/office/drawing/2014/main" id="{EBCE33DC-2718-441A-9D1F-7F3395593E45}"/>
+              </a:ext>
+            </a:extLst>
+          </p:cNvPr>
+          <p:cNvPicPr>
+            <a:picLocks noChangeAspect="1"/>
+          </p:cNvPicPr>
+          <p:nvPr/>
+        </p:nvPicPr>
+        <p:blipFill rotWithShape="1">
+          <a:blip r:embed="rId6"/>
+          <a:srcRect r="18540"/>
+          <a:stretch>
+            <a:fillRect/>
+          </a:stretch>
+        </p:blipFill>
+        <p:spPr>
+          <a:xfrm>
+            <a:off x="2982897" y="1218096"/>
+            <a:ext cx="2722895" cy="4421807"/>
+          </a:xfrm>
+          <a:prstGeom prst="rect">
+            <a:avLst/>
+          </a:prstGeom>
+        </p:spPr>
+      </p:pic>
+      <p:pic>
+        <p:nvPicPr>
+          <p:cNvPr id="12" name="Immagine 11">
+            <a:extLst>
+              <a:ext uri="{FF2B5EF4-FFF2-40B4-BE49-F238E27FC236}">
+                <a16:creationId xmlns:a16="http://schemas.microsoft.com/office/drawing/2014/main" id="{676ABE7C-251C-400A-9F82-814F5ADCC87C}"/>
+              </a:ext>
+            </a:extLst>
+          </p:cNvPr>
+          <p:cNvPicPr>
+            <a:picLocks noChangeAspect="1"/>
+          </p:cNvPicPr>
+          <p:nvPr/>
+        </p:nvPicPr>
+        <p:blipFill>
+          <a:blip r:embed="rId7"/>
+          <a:stretch>
+            <a:fillRect/>
+          </a:stretch>
+        </p:blipFill>
+        <p:spPr>
+          <a:xfrm>
+            <a:off x="5801380" y="1218096"/>
+            <a:ext cx="3342619" cy="4421808"/>
+          </a:xfrm>
+          <a:prstGeom prst="rect">
+            <a:avLst/>
+          </a:prstGeom>
+        </p:spPr>
+      </p:pic>
+      <p:sp>
+        <p:nvSpPr>
+          <p:cNvPr id="13" name="CasellaDiTesto 12">
+            <a:extLst>
+              <a:ext uri="{FF2B5EF4-FFF2-40B4-BE49-F238E27FC236}">
+                <a16:creationId xmlns:a16="http://schemas.microsoft.com/office/drawing/2014/main" id="{7591AD66-C012-4222-A58B-78485B392537}"/>
+              </a:ext>
+            </a:extLst>
+          </p:cNvPr>
+          <p:cNvSpPr txBox="1"/>
+          <p:nvPr/>
+        </p:nvSpPr>
+        <p:spPr>
+          <a:xfrm>
+            <a:off x="206606" y="5371976"/>
+            <a:ext cx="1167307" cy="369332"/>
+          </a:xfrm>
+          <a:prstGeom prst="rect">
+            <a:avLst/>
+          </a:prstGeom>
+          <a:noFill/>
+        </p:spPr>
+        <p:txBody>
+          <a:bodyPr wrap="none" rtlCol="0">
+            <a:spAutoFit/>
+          </a:bodyPr>
+          <a:lstStyle/>
+          <a:p>
+            <a:pPr marL="285750" indent="-285750">
+              <a:buFont typeface="Arial" panose="020B0604020202020204" pitchFamily="34" charset="0"/>
+              <a:buChar char="•"/>
+            </a:pPr>
+            <a:r>
+              <a:rPr lang="en-US" dirty="0">
+                <a:latin typeface="Gill Sans Light"/>
+              </a:rPr>
+              <a:t>Original</a:t>
+            </a:r>
+          </a:p>
+        </p:txBody>
+      </p:sp>
+      <p:sp>
+        <p:nvSpPr>
+          <p:cNvPr id="14" name="CasellaDiTesto 13">
+            <a:extLst>
+              <a:ext uri="{FF2B5EF4-FFF2-40B4-BE49-F238E27FC236}">
+                <a16:creationId xmlns:a16="http://schemas.microsoft.com/office/drawing/2014/main" id="{173B0558-DC66-4F40-A218-8B709943BDAC}"/>
+              </a:ext>
+            </a:extLst>
+          </p:cNvPr>
+          <p:cNvSpPr txBox="1"/>
+          <p:nvPr/>
+        </p:nvSpPr>
+        <p:spPr>
+          <a:xfrm>
+            <a:off x="3171009" y="5371976"/>
+            <a:ext cx="1021433" cy="369332"/>
+          </a:xfrm>
+          <a:prstGeom prst="rect">
+            <a:avLst/>
+          </a:prstGeom>
+          <a:noFill/>
+        </p:spPr>
+        <p:txBody>
+          <a:bodyPr wrap="none" rtlCol="0">
+            <a:spAutoFit/>
+          </a:bodyPr>
+          <a:lstStyle/>
+          <a:p>
+            <a:pPr marL="285750" indent="-285750">
+              <a:buFont typeface="Arial" panose="020B0604020202020204" pitchFamily="34" charset="0"/>
+              <a:buChar char="•"/>
+            </a:pPr>
+            <a:r>
+              <a:rPr lang="en-US" dirty="0">
+                <a:latin typeface="Gill Sans Light"/>
+              </a:rPr>
+              <a:t>Linear</a:t>
+            </a:r>
+          </a:p>
+        </p:txBody>
+      </p:sp>
+      <p:sp>
+        <p:nvSpPr>
+          <p:cNvPr id="15" name="CasellaDiTesto 14">
+            <a:extLst>
+              <a:ext uri="{FF2B5EF4-FFF2-40B4-BE49-F238E27FC236}">
+                <a16:creationId xmlns:a16="http://schemas.microsoft.com/office/drawing/2014/main" id="{2B4B78FE-A1BE-409F-8CB1-EC944ADDBB88}"/>
+              </a:ext>
+            </a:extLst>
+          </p:cNvPr>
+          <p:cNvSpPr txBox="1"/>
+          <p:nvPr/>
+        </p:nvSpPr>
+        <p:spPr>
+          <a:xfrm>
+            <a:off x="6105368" y="5371976"/>
+            <a:ext cx="2221634" cy="369332"/>
+          </a:xfrm>
+          <a:prstGeom prst="rect">
+            <a:avLst/>
+          </a:prstGeom>
+          <a:noFill/>
+        </p:spPr>
+        <p:txBody>
+          <a:bodyPr wrap="none" rtlCol="0">
+            <a:spAutoFit/>
+          </a:bodyPr>
+          <a:lstStyle/>
+          <a:p>
+            <a:pPr marL="285750" indent="-285750">
+              <a:buFont typeface="Arial" panose="020B0604020202020204" pitchFamily="34" charset="0"/>
+              <a:buChar char="•"/>
+            </a:pPr>
+            <a:r>
+              <a:rPr lang="it-IT" dirty="0">
+                <a:latin typeface="Gill Sans Light"/>
+              </a:rPr>
+              <a:t>Minimum curvature</a:t>
+            </a:r>
+            <a:endParaRPr lang="en-GB" dirty="0">
+              <a:latin typeface="Gill Sans Light"/>
+            </a:endParaRPr>
+          </a:p>
+        </p:txBody>
+      </p:sp>
+    </p:spTree>
+    <p:extLst>
+      <p:ext uri="{BB962C8B-B14F-4D97-AF65-F5344CB8AC3E}">
+        <p14:creationId xmlns:p14="http://schemas.microsoft.com/office/powerpoint/2010/main" val="3733546508"/>
       </p:ext>
     </p:extLst>
   </p:cSld>
@@ -9573,7 +11577,7 @@
               <a:t>Real </a:t>
             </a:r>
             <a:r>
-              <a:rPr lang="it-IT" dirty="0" err="1">
+              <a:rPr lang="en-US" dirty="0">
                 <a:latin typeface="Gill Sans Light"/>
               </a:rPr>
               <a:t>bathymetry</a:t>
@@ -9907,15 +11911,14 @@
           <a:p>
             <a:pPr eaLnBrk="1" hangingPunct="1"/>
             <a:r>
-              <a:rPr lang="it-IT" dirty="0" err="1"/>
+              <a:rPr lang="en-US" dirty="0"/>
               <a:t>Path</a:t>
             </a:r>
-            <a:endParaRPr lang="en-US" dirty="0"/>
           </a:p>
         </p:txBody>
       </p:sp>
-      <mc:AlternateContent xmlns:mc="http://schemas.openxmlformats.org/markup-compatibility/2006">
-        <mc:Choice xmlns:a14="http://schemas.microsoft.com/office/drawing/2010/main" Requires="a14">
+      <mc:AlternateContent xmlns:mc="http://schemas.openxmlformats.org/markup-compatibility/2006" xmlns:a14="http://schemas.microsoft.com/office/drawing/2010/main">
+        <mc:Choice Requires="a14">
           <p:sp>
             <p:nvSpPr>
               <p:cNvPr id="11" name="CasellaDiTesto 10"/>
@@ -10162,6 +12165,7 @@
                 </a:endParaRPr>
               </a:p>
               <a:p>
+                <a:pPr/>
                 <a14:m>
                   <m:oMathPara xmlns:m="http://schemas.openxmlformats.org/officeDocument/2006/math">
                     <m:oMathParaPr>
@@ -10297,7 +12301,7 @@
             </p:txBody>
           </p:sp>
         </mc:Choice>
-        <mc:Fallback>
+        <mc:Fallback xmlns="">
           <p:sp>
             <p:nvSpPr>
               <p:cNvPr id="11" name="CasellaDiTesto 10"/>
@@ -10643,10 +12647,9 @@
           <a:p>
             <a:pPr eaLnBrk="1" hangingPunct="1"/>
             <a:r>
-              <a:rPr lang="it-IT" dirty="0" err="1"/>
+              <a:rPr lang="en-US" dirty="0"/>
               <a:t>Path</a:t>
             </a:r>
-            <a:endParaRPr lang="en-US" dirty="0"/>
           </a:p>
         </p:txBody>
       </p:sp>
@@ -11036,15 +13039,14 @@
           <a:p>
             <a:pPr eaLnBrk="1" hangingPunct="1"/>
             <a:r>
-              <a:rPr lang="it-IT" dirty="0" err="1"/>
+              <a:rPr lang="en-US" dirty="0"/>
               <a:t>Path</a:t>
             </a:r>
-            <a:endParaRPr lang="en-US" dirty="0"/>
           </a:p>
         </p:txBody>
       </p:sp>
-      <mc:AlternateContent xmlns:mc="http://schemas.openxmlformats.org/markup-compatibility/2006">
-        <mc:Choice xmlns:a14="http://schemas.microsoft.com/office/drawing/2010/main" Requires="a14">
+      <mc:AlternateContent xmlns:mc="http://schemas.openxmlformats.org/markup-compatibility/2006" xmlns:a14="http://schemas.microsoft.com/office/drawing/2010/main">
+        <mc:Choice Requires="a14">
           <p:sp>
             <p:nvSpPr>
               <p:cNvPr id="11" name="CasellaDiTesto 10"/>
@@ -11144,6 +13146,7 @@
                 </a:endParaRPr>
               </a:p>
               <a:p>
+                <a:pPr/>
                 <a14:m>
                   <m:oMathPara xmlns:m="http://schemas.openxmlformats.org/officeDocument/2006/math">
                     <m:oMathParaPr>
@@ -11352,6 +13355,7 @@
                 </a:endParaRPr>
               </a:p>
               <a:p>
+                <a:pPr/>
                 <a14:m>
                   <m:oMathPara xmlns:m="http://schemas.openxmlformats.org/officeDocument/2006/math">
                     <m:oMathParaPr>
@@ -11494,7 +13498,7 @@
             </p:txBody>
           </p:sp>
         </mc:Choice>
-        <mc:Fallback>
+        <mc:Fallback xmlns="">
           <p:sp>
             <p:nvSpPr>
               <p:cNvPr id="11" name="CasellaDiTesto 10"/>
@@ -11574,7 +13578,7 @@
           <a:lstStyle/>
           <a:p>
             <a:pPr algn="ctr"/>
-            <a:endParaRPr lang="en-US"/>
+            <a:endParaRPr lang="en-US" dirty="0"/>
           </a:p>
         </p:txBody>
       </p:sp>
@@ -11906,7 +13910,7 @@
             <p:spPr>
               <a:xfrm>
                 <a:off x="1137843" y="1385370"/>
-                <a:ext cx="6233918" cy="2585323"/>
+                <a:ext cx="6923806" cy="4247317"/>
               </a:xfrm>
               <a:prstGeom prst="rect">
                 <a:avLst/>
@@ -11920,6 +13924,19 @@
               <a:lstStyle/>
               <a:p>
                 <a:pPr marL="285750" indent="-285750">
+                  <a:buFont typeface="Arial" panose="020B0604020202020204" pitchFamily="34" charset="0"/>
+                  <a:buChar char="•"/>
+                </a:pPr>
+                <a:r>
+                  <a:rPr lang="en-US" dirty="0">
+                    <a:latin typeface="Gill Sans Light"/>
+                    <a:cs typeface="Gill Sans Light"/>
+                  </a:rPr>
+                  <a:t>Map</a:t>
+                </a:r>
+              </a:p>
+              <a:p>
+                <a:pPr marL="742950" lvl="1" indent="-285750">
                   <a:buFont typeface="Arial" panose="020B0604020202020204" pitchFamily="34" charset="0"/>
                   <a:buChar char="•"/>
                 </a:pPr>
@@ -11945,7 +13962,112 @@
                     <a:latin typeface="Gill Sans Light"/>
                     <a:cs typeface="Gill Sans Light"/>
                   </a:rPr>
-                  <a:t>) </a:t>
+                  <a:t>)</a:t>
+                </a:r>
+              </a:p>
+              <a:p>
+                <a:pPr marL="742950" lvl="1" indent="-285750">
+                  <a:buFont typeface="Arial" panose="020B0604020202020204" pitchFamily="34" charset="0"/>
+                  <a:buChar char="•"/>
+                </a:pPr>
+                <a:r>
+                  <a:rPr lang="en-US" dirty="0">
+                    <a:latin typeface="Gill Sans Light"/>
+                    <a:cs typeface="Gill Sans Light"/>
+                  </a:rPr>
+                  <a:t>Mirror: BODC (</a:t>
+                </a:r>
+                <a:r>
+                  <a:rPr lang="en-US" i="1" dirty="0">
+                    <a:solidFill>
+                      <a:srgbClr val="0070C0"/>
+                    </a:solidFill>
+                    <a:latin typeface="Gill Sans Light"/>
+                    <a:cs typeface="Gill Sans Light"/>
+                  </a:rPr>
+                  <a:t>www.bodc.ac.uk</a:t>
+                </a:r>
+                <a:r>
+                  <a:rPr lang="en-US" dirty="0">
+                    <a:latin typeface="Gill Sans Light"/>
+                    <a:cs typeface="Gill Sans Light"/>
+                  </a:rPr>
+                  <a:t>)</a:t>
+                </a:r>
+                <a:endParaRPr lang="it-IT" b="1" dirty="0">
+                  <a:latin typeface="Gill Sans Light"/>
+                  <a:cs typeface="Gill Sans Light"/>
+                </a:endParaRPr>
+              </a:p>
+              <a:p>
+                <a:pPr marL="742950" lvl="1" indent="-285750">
+                  <a:buFont typeface="Arial" panose="020B0604020202020204" pitchFamily="34" charset="0"/>
+                  <a:buChar char="•"/>
+                </a:pPr>
+                <a:r>
+                  <a:rPr lang="it-IT" dirty="0">
+                    <a:latin typeface="Gill Sans Light"/>
+                    <a:cs typeface="Gill Sans Light"/>
+                  </a:rPr>
+                  <a:t>Area </a:t>
+                </a:r>
+                <a:r>
+                  <a:rPr lang="en-US" dirty="0">
+                    <a:latin typeface="Gill Sans Light"/>
+                    <a:cs typeface="Gill Sans Light"/>
+                  </a:rPr>
+                  <a:t>dimensions</a:t>
+                </a:r>
+                <a:r>
+                  <a:rPr lang="it-IT" dirty="0">
+                    <a:latin typeface="Gill Sans Light"/>
+                    <a:cs typeface="Gill Sans Light"/>
+                  </a:rPr>
+                  <a:t>: </a:t>
+                </a:r>
+                <a:r>
+                  <a:rPr lang="en-US" dirty="0">
+                    <a:latin typeface="Gill Sans Light"/>
+                    <a:cs typeface="Gill Sans Light"/>
+                  </a:rPr>
+                  <a:t>approximately</a:t>
+                </a:r>
+                <a:r>
+                  <a:rPr lang="it-IT" dirty="0">
+                    <a:latin typeface="Gill Sans Light"/>
+                    <a:cs typeface="Gill Sans Light"/>
+                  </a:rPr>
+                  <a:t> 100km x 100km</a:t>
+                </a:r>
+              </a:p>
+              <a:p>
+                <a:pPr marL="742950" lvl="1" indent="-285750">
+                  <a:buFont typeface="Arial" panose="020B0604020202020204" pitchFamily="34" charset="0"/>
+                  <a:buChar char="•"/>
+                </a:pPr>
+                <a:r>
+                  <a:rPr lang="it-IT" dirty="0">
+                    <a:latin typeface="Gill Sans Light"/>
+                    <a:cs typeface="Gill Sans Light"/>
+                  </a:rPr>
+                  <a:t>Area points: 220 x 275</a:t>
+                </a:r>
+                <a:endParaRPr lang="en-US" dirty="0">
+                  <a:latin typeface="Gill Sans Light"/>
+                  <a:cs typeface="Gill Sans Light"/>
+                </a:endParaRPr>
+              </a:p>
+              <a:p>
+                <a:pPr marL="742950" lvl="1" indent="-285750">
+                  <a:buFont typeface="Arial"/>
+                  <a:buChar char="•"/>
+                </a:pPr>
+                <a:r>
+                  <a:rPr lang="en-US" dirty="0">
+                    <a:latin typeface="Gill Sans Light"/>
+                    <a:cs typeface="Gill Sans Light"/>
+                  </a:rPr>
+                  <a:t>Location: Mediterranean Sea</a:t>
                 </a:r>
               </a:p>
               <a:p>
@@ -11958,40 +14080,8 @@
                     <a:latin typeface="Gill Sans Light"/>
                     <a:cs typeface="Gill Sans Light"/>
                   </a:rPr>
-                  <a:t>Standard deviation </a:t>
+                  <a:t>Samples: 56 x 56</a:t>
                 </a:r>
-                <a14:m>
-                  <m:oMath xmlns:m="http://schemas.openxmlformats.org/officeDocument/2006/math">
-                    <m:r>
-                      <a:rPr lang="it-IT" b="0" i="1">
-                        <a:latin typeface="Cambria Math" panose="02040503050406030204" pitchFamily="18" charset="0"/>
-                        <a:ea typeface="Cambria Math" panose="02040503050406030204" pitchFamily="18" charset="0"/>
-                        <a:cs typeface="Gill Sans Light"/>
-                      </a:rPr>
-                      <m:t>𝜎</m:t>
-                    </m:r>
-                    <m:r>
-                      <a:rPr lang="it-IT" b="0" i="1">
-                        <a:latin typeface="Cambria Math" panose="02040503050406030204" pitchFamily="18" charset="0"/>
-                        <a:ea typeface="Cambria Math" panose="02040503050406030204" pitchFamily="18" charset="0"/>
-                        <a:cs typeface="Gill Sans Light"/>
-                      </a:rPr>
-                      <m:t>=0.005 </m:t>
-                    </m:r>
-                    <m:r>
-                      <a:rPr lang="it-IT" b="0" i="1">
-                        <a:latin typeface="Cambria Math" panose="02040503050406030204" pitchFamily="18" charset="0"/>
-                        <a:ea typeface="Cambria Math" panose="02040503050406030204" pitchFamily="18" charset="0"/>
-                        <a:cs typeface="Gill Sans Light"/>
-                      </a:rPr>
-                      <m:t>𝑑𝐵</m:t>
-                    </m:r>
-                  </m:oMath>
-                </a14:m>
-                <a:endParaRPr lang="it-IT" b="1" dirty="0">
-                  <a:latin typeface="Gill Sans Light"/>
-                  <a:cs typeface="Gill Sans Light"/>
-                </a:endParaRPr>
               </a:p>
               <a:p>
                 <a:pPr marL="742950" lvl="1" indent="-285750">
@@ -12013,30 +14103,7 @@
                     <a:latin typeface="Gill Sans Light"/>
                     <a:cs typeface="Gill Sans Light"/>
                   </a:rPr>
-                  <a:t>Random Gaussian seabed</a:t>
-                </a:r>
-              </a:p>
-              <a:p>
-                <a:pPr marL="285750" indent="-285750">
-                  <a:buFont typeface="Arial"/>
-                  <a:buChar char="•"/>
-                </a:pPr>
-                <a:endParaRPr lang="en-US" dirty="0">
-                  <a:latin typeface="Gill Sans Light"/>
-                  <a:cs typeface="Gill Sans Light"/>
-                </a:endParaRPr>
-              </a:p>
-              <a:p>
-                <a:pPr marL="285750" indent="-285750">
-                  <a:buFont typeface="Arial"/>
-                  <a:buChar char="•"/>
-                </a:pPr>
-                <a:r>
-                  <a:rPr lang="en-US" dirty="0">
-                    <a:latin typeface="Gill Sans Light"/>
-                    <a:cs typeface="Gill Sans Light"/>
-                  </a:rPr>
-                  <a:t>Outliers rejection</a:t>
+                  <a:t>Mission</a:t>
                 </a:r>
               </a:p>
               <a:p>
@@ -12049,21 +14116,7 @@
                     <a:latin typeface="Gill Sans Light"/>
                     <a:cs typeface="Gill Sans Light"/>
                   </a:rPr>
-                  <a:t>Matlab </a:t>
-                </a:r>
-                <a:r>
-                  <a:rPr lang="en-US" i="1" dirty="0">
-                    <a:latin typeface="Gill Sans Light"/>
-                    <a:cs typeface="Gill Sans Light"/>
-                  </a:rPr>
-                  <a:t>filloutliers</a:t>
-                </a:r>
-                <a:r>
-                  <a:rPr lang="en-US" dirty="0">
-                    <a:latin typeface="Gill Sans Light"/>
-                    <a:cs typeface="Gill Sans Light"/>
-                  </a:rPr>
-                  <a:t> method</a:t>
+                  <a:t>Mission depth: 2650 m</a:t>
                 </a:r>
               </a:p>
               <a:p>
@@ -12076,7 +14129,81 @@
                     <a:latin typeface="Gill Sans Light"/>
                     <a:cs typeface="Gill Sans Light"/>
                   </a:rPr>
-                  <a:t>Not perfect</a:t>
+                  <a:t>Noise on sampling (</a:t>
+                </a:r>
+                <a14:m>
+                  <m:oMath xmlns:m="http://schemas.openxmlformats.org/officeDocument/2006/math">
+                    <m:r>
+                      <a:rPr lang="en-US" i="1" smtClean="0">
+                        <a:latin typeface="Cambria Math" panose="02040503050406030204" pitchFamily="18" charset="0"/>
+                        <a:ea typeface="Cambria Math" panose="02040503050406030204" pitchFamily="18" charset="0"/>
+                        <a:cs typeface="Gill Sans Light"/>
+                      </a:rPr>
+                      <m:t>𝜎</m:t>
+                    </m:r>
+                    <m:r>
+                      <a:rPr lang="it-IT" b="0" i="1" smtClean="0">
+                        <a:latin typeface="Cambria Math" panose="02040503050406030204" pitchFamily="18" charset="0"/>
+                        <a:ea typeface="Cambria Math" panose="02040503050406030204" pitchFamily="18" charset="0"/>
+                        <a:cs typeface="Gill Sans Light"/>
+                      </a:rPr>
+                      <m:t>=0.005 </m:t>
+                    </m:r>
+                    <m:r>
+                      <a:rPr lang="it-IT" b="0" i="1" smtClean="0">
+                        <a:latin typeface="Cambria Math" panose="02040503050406030204" pitchFamily="18" charset="0"/>
+                        <a:ea typeface="Cambria Math" panose="02040503050406030204" pitchFamily="18" charset="0"/>
+                        <a:cs typeface="Gill Sans Light"/>
+                      </a:rPr>
+                      <m:t>𝑑𝐵</m:t>
+                    </m:r>
+                  </m:oMath>
+                </a14:m>
+                <a:r>
+                  <a:rPr lang="en-US" dirty="0">
+                    <a:latin typeface="Gill Sans Light"/>
+                    <a:cs typeface="Gill Sans Light"/>
+                  </a:rPr>
+                  <a:t>) not filtered</a:t>
+                </a:r>
+              </a:p>
+              <a:p>
+                <a:pPr marL="742950" lvl="1" indent="-285750">
+                  <a:buFont typeface="Arial"/>
+                  <a:buChar char="•"/>
+                </a:pPr>
+                <a:r>
+                  <a:rPr lang="en-US" dirty="0">
+                    <a:latin typeface="Gill Sans Light"/>
+                    <a:cs typeface="Gill Sans Light"/>
+                  </a:rPr>
+                  <a:t>Outliers (not perfect rejection)</a:t>
+                </a:r>
+              </a:p>
+              <a:p>
+                <a:pPr marL="742950" lvl="1" indent="-285750">
+                  <a:buFont typeface="Arial"/>
+                  <a:buChar char="•"/>
+                </a:pPr>
+                <a:r>
+                  <a:rPr lang="en-US" dirty="0">
+                    <a:latin typeface="Gill Sans Light"/>
+                    <a:cs typeface="Gill Sans Light"/>
+                  </a:rPr>
+                  <a:t>Signal frequency: 10 kHz</a:t>
+                </a:r>
+              </a:p>
+              <a:p>
+                <a:pPr marL="742950" lvl="1" indent="-285750">
+                  <a:buFont typeface="Arial"/>
+                  <a:buChar char="•"/>
+                </a:pPr>
+                <a:r>
+                  <a:rPr lang="en-US" dirty="0">
+                    <a:latin typeface="Gill Sans Light"/>
+                    <a:cs typeface="Gill Sans Light"/>
+                  </a:rPr>
+                  <a:t>Signal duration: 16 ms</a:t>
                 </a:r>
               </a:p>
               <a:p>
@@ -12104,7 +14231,7 @@
             <p:spPr>
               <a:xfrm>
                 <a:off x="1137843" y="1385370"/>
-                <a:ext cx="6233918" cy="2585323"/>
+                <a:ext cx="6923806" cy="4247317"/>
               </a:xfrm>
               <a:prstGeom prst="rect">
                 <a:avLst/>
@@ -12112,7 +14239,7 @@
               <a:blipFill>
                 <a:blip r:embed="rId5"/>
                 <a:stretch>
-                  <a:fillRect l="-685" t="-1179"/>
+                  <a:fillRect l="-617" t="-717"/>
                 </a:stretch>
               </a:blipFill>
             </p:spPr>
@@ -12160,13 +14287,80 @@
         </p:blipFill>
         <p:spPr bwMode="auto">
           <a:xfrm>
-            <a:off x="7568117" y="4950702"/>
-            <a:ext cx="1349545" cy="1367948"/>
+            <a:off x="7853272" y="5354188"/>
+            <a:ext cx="791621" cy="802416"/>
           </a:xfrm>
           <a:prstGeom prst="rect">
             <a:avLst/>
           </a:prstGeom>
-          <a:noFill/>
+          <a:ln w="88900" cap="sq" cmpd="thickThin">
+            <a:solidFill>
+              <a:schemeClr val="bg1"/>
+            </a:solidFill>
+            <a:prstDash val="solid"/>
+            <a:miter lim="800000"/>
+          </a:ln>
+          <a:effectLst>
+            <a:innerShdw blurRad="76200">
+              <a:srgbClr val="000000"/>
+            </a:innerShdw>
+          </a:effectLst>
+          <a:extLst>
+            <a:ext uri="{909E8E84-426E-40DD-AFC4-6F175D3DCCD1}">
+              <a14:hiddenFill xmlns:a14="http://schemas.microsoft.com/office/drawing/2010/main">
+                <a:solidFill>
+                  <a:srgbClr val="FFFFFF"/>
+                </a:solidFill>
+              </a14:hiddenFill>
+            </a:ext>
+          </a:extLst>
+        </p:spPr>
+      </p:pic>
+      <p:pic>
+        <p:nvPicPr>
+          <p:cNvPr id="2" name="Picture 2" descr="bodc-logo-colour-white.png (1006Ã236)">
+            <a:extLst>
+              <a:ext uri="{FF2B5EF4-FFF2-40B4-BE49-F238E27FC236}">
+                <a16:creationId xmlns:a16="http://schemas.microsoft.com/office/drawing/2014/main" id="{F43F4355-6D46-4D06-A8F2-976C5935A4C2}"/>
+              </a:ext>
+            </a:extLst>
+          </p:cNvPr>
+          <p:cNvPicPr>
+            <a:picLocks noChangeAspect="1" noChangeArrowheads="1"/>
+          </p:cNvPicPr>
+          <p:nvPr/>
+        </p:nvPicPr>
+        <p:blipFill>
+          <a:blip r:embed="rId7">
+            <a:extLst>
+              <a:ext uri="{28A0092B-C50C-407E-A947-70E740481C1C}">
+                <a14:useLocalDpi xmlns:a14="http://schemas.microsoft.com/office/drawing/2010/main" val="0"/>
+              </a:ext>
+            </a:extLst>
+          </a:blip>
+          <a:srcRect/>
+          <a:stretch>
+            <a:fillRect/>
+          </a:stretch>
+        </p:blipFill>
+        <p:spPr bwMode="auto">
+          <a:xfrm>
+            <a:off x="4599746" y="5338388"/>
+            <a:ext cx="3083767" cy="723293"/>
+          </a:xfrm>
+          <a:prstGeom prst="rect">
+            <a:avLst/>
+          </a:prstGeom>
+          <a:ln w="228600" cap="sq" cmpd="thickThin">
+            <a:noFill/>
+            <a:prstDash val="solid"/>
+            <a:miter lim="800000"/>
+          </a:ln>
+          <a:effectLst>
+            <a:innerShdw blurRad="76200">
+              <a:srgbClr val="000000"/>
+            </a:innerShdw>
+          </a:effectLst>
           <a:extLst>
             <a:ext uri="{909E8E84-426E-40DD-AFC4-6F175D3DCCD1}">
               <a14:hiddenFill xmlns:a14="http://schemas.microsoft.com/office/drawing/2010/main">
@@ -12192,6 +14386,398 @@
 </file>
 
 <file path=ppt/slides/slide8.xml><?xml version="1.0" encoding="utf-8"?>
+<p:sld xmlns:a="http://schemas.openxmlformats.org/drawingml/2006/main" xmlns:r="http://schemas.openxmlformats.org/officeDocument/2006/relationships" xmlns:p="http://schemas.openxmlformats.org/presentationml/2006/main">
+  <p:cSld>
+    <p:spTree>
+      <p:nvGrpSpPr>
+        <p:cNvPr id="1" name=""/>
+        <p:cNvGrpSpPr/>
+        <p:nvPr/>
+      </p:nvGrpSpPr>
+      <p:grpSpPr>
+        <a:xfrm>
+          <a:off x="0" y="0"/>
+          <a:ext cx="0" cy="0"/>
+          <a:chOff x="0" y="0"/>
+          <a:chExt cx="0" cy="0"/>
+        </a:xfrm>
+      </p:grpSpPr>
+      <p:sp>
+        <p:nvSpPr>
+          <p:cNvPr id="6" name="Parallelogramma 5"/>
+          <p:cNvSpPr/>
+          <p:nvPr/>
+        </p:nvSpPr>
+        <p:spPr>
+          <a:xfrm>
+            <a:off x="-238532" y="6376663"/>
+            <a:ext cx="8472198" cy="481338"/>
+          </a:xfrm>
+          <a:prstGeom prst="parallelogram">
+            <a:avLst/>
+          </a:prstGeom>
+          <a:solidFill>
+            <a:srgbClr val="0F406B"/>
+          </a:solidFill>
+        </p:spPr>
+        <p:style>
+          <a:lnRef idx="1">
+            <a:schemeClr val="accent1"/>
+          </a:lnRef>
+          <a:fillRef idx="3">
+            <a:schemeClr val="accent1"/>
+          </a:fillRef>
+          <a:effectRef idx="2">
+            <a:schemeClr val="accent1"/>
+          </a:effectRef>
+          <a:fontRef idx="minor">
+            <a:schemeClr val="lt1"/>
+          </a:fontRef>
+        </p:style>
+        <p:txBody>
+          <a:bodyPr rtlCol="0" anchor="ctr"/>
+          <a:lstStyle/>
+          <a:p>
+            <a:pPr algn="ctr"/>
+            <a:endParaRPr lang="it-IT" dirty="0">
+              <a:solidFill>
+                <a:srgbClr val="0F406B"/>
+              </a:solidFill>
+            </a:endParaRPr>
+          </a:p>
+        </p:txBody>
+      </p:sp>
+      <p:pic>
+        <p:nvPicPr>
+          <p:cNvPr id="7" name="Immagine 6" descr="cherubino_pant541.eps"/>
+          <p:cNvPicPr>
+            <a:picLocks noChangeAspect="1"/>
+          </p:cNvPicPr>
+          <p:nvPr/>
+        </p:nvPicPr>
+        <p:blipFill>
+          <a:blip r:embed="rId3">
+            <a:extLst>
+              <a:ext uri="{28A0092B-C50C-407E-A947-70E740481C1C}">
+                <a14:useLocalDpi xmlns:a14="http://schemas.microsoft.com/office/drawing/2010/main" val="0"/>
+              </a:ext>
+            </a:extLst>
+          </a:blip>
+          <a:stretch>
+            <a:fillRect/>
+          </a:stretch>
+        </p:blipFill>
+        <p:spPr>
+          <a:xfrm>
+            <a:off x="8458200" y="6376662"/>
+            <a:ext cx="459462" cy="469067"/>
+          </a:xfrm>
+          <a:prstGeom prst="rect">
+            <a:avLst/>
+          </a:prstGeom>
+        </p:spPr>
+      </p:pic>
+      <p:pic>
+        <p:nvPicPr>
+          <p:cNvPr id="8" name="Immagine 7" descr="logo_white.eps"/>
+          <p:cNvPicPr>
+            <a:picLocks noChangeAspect="1"/>
+          </p:cNvPicPr>
+          <p:nvPr/>
+        </p:nvPicPr>
+        <p:blipFill>
+          <a:blip r:embed="rId4">
+            <a:extLst>
+              <a:ext uri="{28A0092B-C50C-407E-A947-70E740481C1C}">
+                <a14:useLocalDpi xmlns:a14="http://schemas.microsoft.com/office/drawing/2010/main" val="0"/>
+              </a:ext>
+            </a:extLst>
+          </a:blip>
+          <a:stretch>
+            <a:fillRect/>
+          </a:stretch>
+        </p:blipFill>
+        <p:spPr>
+          <a:xfrm>
+            <a:off x="5457607" y="6502430"/>
+            <a:ext cx="2395665" cy="220877"/>
+          </a:xfrm>
+          <a:prstGeom prst="rect">
+            <a:avLst/>
+          </a:prstGeom>
+        </p:spPr>
+      </p:pic>
+      <p:sp>
+        <p:nvSpPr>
+          <p:cNvPr id="10" name="CasellaDiTesto 1"/>
+          <p:cNvSpPr txBox="1">
+            <a:spLocks noChangeArrowheads="1"/>
+          </p:cNvSpPr>
+          <p:nvPr/>
+        </p:nvSpPr>
+        <p:spPr bwMode="auto">
+          <a:xfrm>
+            <a:off x="1230833" y="594306"/>
+            <a:ext cx="6309666" cy="553998"/>
+          </a:xfrm>
+          <a:prstGeom prst="rect">
+            <a:avLst/>
+          </a:prstGeom>
+          <a:noFill/>
+          <a:ln>
+            <a:noFill/>
+          </a:ln>
+          <a:extLst>
+            <a:ext uri="{909E8E84-426E-40DD-AFC4-6F175D3DCCD1}">
+              <a14:hiddenFill xmlns:a14="http://schemas.microsoft.com/office/drawing/2010/main">
+                <a:solidFill>
+                  <a:srgbClr val="FFFFFF"/>
+                </a:solidFill>
+              </a14:hiddenFill>
+            </a:ext>
+            <a:ext uri="{91240B29-F687-4F45-9708-019B960494DF}">
+              <a14:hiddenLine xmlns:a14="http://schemas.microsoft.com/office/drawing/2010/main" w="9525">
+                <a:solidFill>
+                  <a:srgbClr val="000000"/>
+                </a:solidFill>
+                <a:miter lim="800000"/>
+                <a:headEnd/>
+                <a:tailEnd/>
+              </a14:hiddenLine>
+            </a:ext>
+          </a:extLst>
+        </p:spPr>
+        <p:txBody>
+          <a:bodyPr wrap="square">
+            <a:spAutoFit/>
+          </a:bodyPr>
+          <a:lstStyle>
+            <a:lvl1pPr eaLnBrk="0" hangingPunct="0">
+              <a:defRPr sz="3000">
+                <a:solidFill>
+                  <a:srgbClr val="414141"/>
+                </a:solidFill>
+                <a:latin typeface="Gill Sans Light" charset="0"/>
+                <a:ea typeface="ヒラギノ角ゴ ProN W3" charset="0"/>
+                <a:cs typeface="ヒラギノ角ゴ ProN W3" charset="0"/>
+                <a:sym typeface="Gill Sans Light" charset="0"/>
+              </a:defRPr>
+            </a:lvl1pPr>
+            <a:lvl2pPr marL="742950" indent="-285750" eaLnBrk="0" hangingPunct="0">
+              <a:defRPr sz="3000">
+                <a:solidFill>
+                  <a:srgbClr val="414141"/>
+                </a:solidFill>
+                <a:latin typeface="Gill Sans Light" charset="0"/>
+                <a:ea typeface="ヒラギノ角ゴ ProN W3" charset="0"/>
+                <a:cs typeface="ヒラギノ角ゴ ProN W3" charset="0"/>
+                <a:sym typeface="Gill Sans Light" charset="0"/>
+              </a:defRPr>
+            </a:lvl2pPr>
+            <a:lvl3pPr marL="1143000" indent="-228600" eaLnBrk="0" hangingPunct="0">
+              <a:defRPr sz="3000">
+                <a:solidFill>
+                  <a:srgbClr val="414141"/>
+                </a:solidFill>
+                <a:latin typeface="Gill Sans Light" charset="0"/>
+                <a:ea typeface="ヒラギノ角ゴ ProN W3" charset="0"/>
+                <a:cs typeface="ヒラギノ角ゴ ProN W3" charset="0"/>
+                <a:sym typeface="Gill Sans Light" charset="0"/>
+              </a:defRPr>
+            </a:lvl3pPr>
+            <a:lvl4pPr marL="1600200" indent="-228600" eaLnBrk="0" hangingPunct="0">
+              <a:defRPr sz="3000">
+                <a:solidFill>
+                  <a:srgbClr val="414141"/>
+                </a:solidFill>
+                <a:latin typeface="Gill Sans Light" charset="0"/>
+                <a:ea typeface="ヒラギノ角ゴ ProN W3" charset="0"/>
+                <a:cs typeface="ヒラギノ角ゴ ProN W3" charset="0"/>
+                <a:sym typeface="Gill Sans Light" charset="0"/>
+              </a:defRPr>
+            </a:lvl4pPr>
+            <a:lvl5pPr marL="2057400" indent="-228600" eaLnBrk="0" hangingPunct="0">
+              <a:defRPr sz="3000">
+                <a:solidFill>
+                  <a:srgbClr val="414141"/>
+                </a:solidFill>
+                <a:latin typeface="Gill Sans Light" charset="0"/>
+                <a:ea typeface="ヒラギノ角ゴ ProN W3" charset="0"/>
+                <a:cs typeface="ヒラギノ角ゴ ProN W3" charset="0"/>
+                <a:sym typeface="Gill Sans Light" charset="0"/>
+              </a:defRPr>
+            </a:lvl5pPr>
+            <a:lvl6pPr marL="2514600" indent="-228600" algn="ctr" eaLnBrk="0" fontAlgn="base" hangingPunct="0">
+              <a:spcBef>
+                <a:spcPct val="0"/>
+              </a:spcBef>
+              <a:spcAft>
+                <a:spcPct val="0"/>
+              </a:spcAft>
+              <a:defRPr sz="3000">
+                <a:solidFill>
+                  <a:srgbClr val="414141"/>
+                </a:solidFill>
+                <a:latin typeface="Gill Sans Light" charset="0"/>
+                <a:ea typeface="ヒラギノ角ゴ ProN W3" charset="0"/>
+                <a:cs typeface="ヒラギノ角ゴ ProN W3" charset="0"/>
+                <a:sym typeface="Gill Sans Light" charset="0"/>
+              </a:defRPr>
+            </a:lvl6pPr>
+            <a:lvl7pPr marL="2971800" indent="-228600" algn="ctr" eaLnBrk="0" fontAlgn="base" hangingPunct="0">
+              <a:spcBef>
+                <a:spcPct val="0"/>
+              </a:spcBef>
+              <a:spcAft>
+                <a:spcPct val="0"/>
+              </a:spcAft>
+              <a:defRPr sz="3000">
+                <a:solidFill>
+                  <a:srgbClr val="414141"/>
+                </a:solidFill>
+                <a:latin typeface="Gill Sans Light" charset="0"/>
+                <a:ea typeface="ヒラギノ角ゴ ProN W3" charset="0"/>
+                <a:cs typeface="ヒラギノ角ゴ ProN W3" charset="0"/>
+                <a:sym typeface="Gill Sans Light" charset="0"/>
+              </a:defRPr>
+            </a:lvl7pPr>
+            <a:lvl8pPr marL="3429000" indent="-228600" algn="ctr" eaLnBrk="0" fontAlgn="base" hangingPunct="0">
+              <a:spcBef>
+                <a:spcPct val="0"/>
+              </a:spcBef>
+              <a:spcAft>
+                <a:spcPct val="0"/>
+              </a:spcAft>
+              <a:defRPr sz="3000">
+                <a:solidFill>
+                  <a:srgbClr val="414141"/>
+                </a:solidFill>
+                <a:latin typeface="Gill Sans Light" charset="0"/>
+                <a:ea typeface="ヒラギノ角ゴ ProN W3" charset="0"/>
+                <a:cs typeface="ヒラギノ角ゴ ProN W3" charset="0"/>
+                <a:sym typeface="Gill Sans Light" charset="0"/>
+              </a:defRPr>
+            </a:lvl8pPr>
+            <a:lvl9pPr marL="3886200" indent="-228600" algn="ctr" eaLnBrk="0" fontAlgn="base" hangingPunct="0">
+              <a:spcBef>
+                <a:spcPct val="0"/>
+              </a:spcBef>
+              <a:spcAft>
+                <a:spcPct val="0"/>
+              </a:spcAft>
+              <a:defRPr sz="3000">
+                <a:solidFill>
+                  <a:srgbClr val="414141"/>
+                </a:solidFill>
+                <a:latin typeface="Gill Sans Light" charset="0"/>
+                <a:ea typeface="ヒラギノ角ゴ ProN W3" charset="0"/>
+                <a:cs typeface="ヒラギノ角ゴ ProN W3" charset="0"/>
+                <a:sym typeface="Gill Sans Light" charset="0"/>
+              </a:defRPr>
+            </a:lvl9pPr>
+          </a:lstStyle>
+          <a:p>
+            <a:pPr eaLnBrk="1" hangingPunct="1"/>
+            <a:r>
+              <a:rPr lang="it-IT" dirty="0"/>
+              <a:t>U</a:t>
+            </a:r>
+            <a:r>
+              <a:rPr lang="en-US" dirty="0"/>
+              <a:t>sing real data</a:t>
+            </a:r>
+          </a:p>
+        </p:txBody>
+      </p:sp>
+      <p:pic>
+        <p:nvPicPr>
+          <p:cNvPr id="3" name="Immagine 2" descr="Immagine che contiene testo, mappa&#10;&#10;Descrizione generata automaticamente">
+            <a:extLst>
+              <a:ext uri="{FF2B5EF4-FFF2-40B4-BE49-F238E27FC236}">
+                <a16:creationId xmlns:a16="http://schemas.microsoft.com/office/drawing/2014/main" id="{D5C8EE49-FF74-4D5F-B269-850B9E149024}"/>
+              </a:ext>
+            </a:extLst>
+          </p:cNvPr>
+          <p:cNvPicPr>
+            <a:picLocks noChangeAspect="1"/>
+          </p:cNvPicPr>
+          <p:nvPr/>
+        </p:nvPicPr>
+        <p:blipFill>
+          <a:blip r:embed="rId5"/>
+          <a:stretch>
+            <a:fillRect/>
+          </a:stretch>
+        </p:blipFill>
+        <p:spPr>
+          <a:xfrm>
+            <a:off x="1131588" y="1148304"/>
+            <a:ext cx="6880823" cy="4822508"/>
+          </a:xfrm>
+          <a:prstGeom prst="rect">
+            <a:avLst/>
+          </a:prstGeom>
+        </p:spPr>
+      </p:pic>
+      <p:sp>
+        <p:nvSpPr>
+          <p:cNvPr id="4" name="Rettangolo 3">
+            <a:extLst>
+              <a:ext uri="{FF2B5EF4-FFF2-40B4-BE49-F238E27FC236}">
+                <a16:creationId xmlns:a16="http://schemas.microsoft.com/office/drawing/2014/main" id="{1EB13B31-26C7-4938-A0D4-63E51865DAA1}"/>
+              </a:ext>
+            </a:extLst>
+          </p:cNvPr>
+          <p:cNvSpPr/>
+          <p:nvPr/>
+        </p:nvSpPr>
+        <p:spPr>
+          <a:xfrm>
+            <a:off x="3635829" y="4214949"/>
+            <a:ext cx="329681" cy="282406"/>
+          </a:xfrm>
+          <a:prstGeom prst="rect">
+            <a:avLst/>
+          </a:prstGeom>
+          <a:noFill/>
+        </p:spPr>
+        <p:style>
+          <a:lnRef idx="2">
+            <a:schemeClr val="accent6"/>
+          </a:lnRef>
+          <a:fillRef idx="1">
+            <a:schemeClr val="lt1"/>
+          </a:fillRef>
+          <a:effectRef idx="0">
+            <a:schemeClr val="accent6"/>
+          </a:effectRef>
+          <a:fontRef idx="minor">
+            <a:schemeClr val="dk1"/>
+          </a:fontRef>
+        </p:style>
+        <p:txBody>
+          <a:bodyPr rtlCol="0" anchor="ctr"/>
+          <a:lstStyle/>
+          <a:p>
+            <a:pPr algn="ctr"/>
+            <a:endParaRPr lang="en-US" dirty="0"/>
+          </a:p>
+        </p:txBody>
+      </p:sp>
+    </p:spTree>
+    <p:extLst>
+      <p:ext uri="{BB962C8B-B14F-4D97-AF65-F5344CB8AC3E}">
+        <p14:creationId xmlns:p14="http://schemas.microsoft.com/office/powerpoint/2010/main" val="3653211254"/>
+      </p:ext>
+    </p:extLst>
+  </p:cSld>
+  <p:clrMapOvr>
+    <a:masterClrMapping/>
+  </p:clrMapOvr>
+</p:sld>
+</file>
+
+<file path=ppt/slides/slide9.xml><?xml version="1.0" encoding="utf-8"?>
 <p:sld xmlns:a="http://schemas.openxmlformats.org/drawingml/2006/main" xmlns:r="http://schemas.openxmlformats.org/officeDocument/2006/relationships" xmlns:p="http://schemas.openxmlformats.org/presentationml/2006/main">
   <p:cSld>
     <p:spTree>
@@ -12507,8 +15093,8 @@
           </a:p>
         </p:txBody>
       </p:sp>
-      <mc:AlternateContent xmlns:mc="http://schemas.openxmlformats.org/markup-compatibility/2006">
-        <mc:Choice xmlns:a14="http://schemas.microsoft.com/office/drawing/2010/main" Requires="a14">
+      <mc:AlternateContent xmlns:mc="http://schemas.openxmlformats.org/markup-compatibility/2006" xmlns:a14="http://schemas.microsoft.com/office/drawing/2010/main">
+        <mc:Choice Requires="a14">
           <p:graphicFrame>
             <p:nvGraphicFramePr>
               <p:cNvPr id="9" name="Tabella 8">
@@ -12590,7 +15176,9 @@
                               </m:oMathParaPr>
                               <m:oMath xmlns:m="http://schemas.openxmlformats.org/officeDocument/2006/math">
                                 <m:r>
-                                  <a:rPr lang="en-US" sz="1600" dirty="0" smtClean="0"/>
+                                  <a:rPr lang="en-US" sz="1600" dirty="0" smtClean="0">
+                                    <a:latin typeface="Cambria Math" panose="02040503050406030204" pitchFamily="18" charset="0"/>
+                                  </a:rPr>
                                   <m:t>𝑀𝑆𝐸</m:t>
                                 </m:r>
                               </m:oMath>
@@ -12607,30 +15195,40 @@
                               </m:oMathParaPr>
                               <m:oMath xmlns:m="http://schemas.openxmlformats.org/officeDocument/2006/math">
                                 <m:r>
-                                  <a:rPr lang="it-IT" sz="1600" smtClean="0"/>
+                                  <a:rPr lang="it-IT" sz="1600" smtClean="0">
+                                    <a:latin typeface="Cambria Math" panose="02040503050406030204" pitchFamily="18" charset="0"/>
+                                  </a:rPr>
                                   <m:t>(</m:t>
                                 </m:r>
                                 <m:sSup>
                                   <m:sSupPr>
                                     <m:ctrlPr>
-                                      <a:rPr lang="it-IT" sz="1600" smtClean="0"/>
+                                      <a:rPr lang="it-IT" sz="1600" i="1" smtClean="0">
+                                        <a:latin typeface="Cambria Math" panose="02040503050406030204" pitchFamily="18" charset="0"/>
+                                      </a:rPr>
                                     </m:ctrlPr>
                                   </m:sSupPr>
                                   <m:e>
                                     <m:r>
-                                      <a:rPr lang="it-IT" sz="1600" smtClean="0"/>
+                                      <a:rPr lang="it-IT" sz="1600" smtClean="0">
+                                        <a:latin typeface="Cambria Math" panose="02040503050406030204" pitchFamily="18" charset="0"/>
+                                      </a:rPr>
                                       <m:t>𝒎</m:t>
                                     </m:r>
                                   </m:e>
                                   <m:sup>
                                     <m:r>
-                                      <a:rPr lang="it-IT" sz="1600" smtClean="0"/>
+                                      <a:rPr lang="it-IT" sz="1600" smtClean="0">
+                                        <a:latin typeface="Cambria Math" panose="02040503050406030204" pitchFamily="18" charset="0"/>
+                                      </a:rPr>
                                       <m:t>𝟐</m:t>
                                     </m:r>
                                   </m:sup>
                                 </m:sSup>
                                 <m:r>
-                                  <a:rPr lang="it-IT" sz="1600" smtClean="0"/>
+                                  <a:rPr lang="it-IT" sz="1600" smtClean="0">
+                                    <a:latin typeface="Cambria Math" panose="02040503050406030204" pitchFamily="18" charset="0"/>
+                                  </a:rPr>
                                   <m:t>)</m:t>
                                 </m:r>
                               </m:oMath>
@@ -12656,18 +15254,24 @@
                                 <m:sSub>
                                   <m:sSubPr>
                                     <m:ctrlPr>
-                                      <a:rPr lang="en-US" sz="1600" smtClean="0"/>
+                                      <a:rPr lang="en-US" sz="1600" i="1" smtClean="0">
+                                        <a:latin typeface="Cambria Math" panose="02040503050406030204" pitchFamily="18" charset="0"/>
+                                      </a:rPr>
                                     </m:ctrlPr>
                                   </m:sSubPr>
                                   <m:e>
                                     <m:r>
-                                      <a:rPr lang="it-IT" sz="1600" smtClean="0"/>
+                                      <a:rPr lang="it-IT" sz="1600" smtClean="0">
+                                        <a:latin typeface="Cambria Math" panose="02040503050406030204" pitchFamily="18" charset="0"/>
+                                      </a:rPr>
                                       <m:t>𝑻</m:t>
                                     </m:r>
                                   </m:e>
                                   <m:sub>
                                     <m:r>
-                                      <a:rPr lang="it-IT" sz="1600" smtClean="0"/>
+                                      <a:rPr lang="it-IT" sz="1600" smtClean="0">
+                                        <a:latin typeface="Cambria Math" panose="02040503050406030204" pitchFamily="18" charset="0"/>
+                                      </a:rPr>
                                       <m:t>𝒆𝒙𝒆</m:t>
                                     </m:r>
                                   </m:sub>
@@ -12686,15 +15290,21 @@
                               </m:oMathParaPr>
                               <m:oMath xmlns:m="http://schemas.openxmlformats.org/officeDocument/2006/math">
                                 <m:r>
-                                  <a:rPr lang="it-IT" sz="1600" smtClean="0"/>
+                                  <a:rPr lang="it-IT" sz="1600" smtClean="0">
+                                    <a:latin typeface="Cambria Math" panose="02040503050406030204" pitchFamily="18" charset="0"/>
+                                  </a:rPr>
                                   <m:t>(</m:t>
                                 </m:r>
                                 <m:r>
-                                  <a:rPr lang="it-IT" sz="1600" smtClean="0"/>
+                                  <a:rPr lang="it-IT" sz="1600" smtClean="0">
+                                    <a:latin typeface="Cambria Math" panose="02040503050406030204" pitchFamily="18" charset="0"/>
+                                  </a:rPr>
                                   <m:t>𝒔</m:t>
                                 </m:r>
                                 <m:r>
-                                  <a:rPr lang="it-IT" sz="1600" smtClean="0"/>
+                                  <a:rPr lang="it-IT" sz="1600" smtClean="0">
+                                    <a:latin typeface="Cambria Math" panose="02040503050406030204" pitchFamily="18" charset="0"/>
+                                  </a:rPr>
                                   <m:t>)</m:t>
                                 </m:r>
                               </m:oMath>
@@ -13353,7 +15963,7 @@
             </a:graphic>
           </p:graphicFrame>
         </mc:Choice>
-        <mc:Fallback>
+        <mc:Fallback xmlns="">
           <p:graphicFrame>
             <p:nvGraphicFramePr>
               <p:cNvPr id="9" name="Tabella 8">
@@ -14118,560 +16728,6 @@
 </p:sld>
 </file>
 
-<file path=ppt/slides/slide9.xml><?xml version="1.0" encoding="utf-8"?>
-<p:sld xmlns:a="http://schemas.openxmlformats.org/drawingml/2006/main" xmlns:r="http://schemas.openxmlformats.org/officeDocument/2006/relationships" xmlns:p="http://schemas.openxmlformats.org/presentationml/2006/main">
-  <p:cSld>
-    <p:spTree>
-      <p:nvGrpSpPr>
-        <p:cNvPr id="1" name=""/>
-        <p:cNvGrpSpPr/>
-        <p:nvPr/>
-      </p:nvGrpSpPr>
-      <p:grpSpPr>
-        <a:xfrm>
-          <a:off x="0" y="0"/>
-          <a:ext cx="0" cy="0"/>
-          <a:chOff x="0" y="0"/>
-          <a:chExt cx="0" cy="0"/>
-        </a:xfrm>
-      </p:grpSpPr>
-      <p:sp>
-        <p:nvSpPr>
-          <p:cNvPr id="6" name="Parallelogramma 5"/>
-          <p:cNvSpPr/>
-          <p:nvPr/>
-        </p:nvSpPr>
-        <p:spPr>
-          <a:xfrm>
-            <a:off x="-238532" y="6376663"/>
-            <a:ext cx="8472198" cy="481338"/>
-          </a:xfrm>
-          <a:prstGeom prst="parallelogram">
-            <a:avLst/>
-          </a:prstGeom>
-          <a:solidFill>
-            <a:srgbClr val="0F406B"/>
-          </a:solidFill>
-        </p:spPr>
-        <p:style>
-          <a:lnRef idx="1">
-            <a:schemeClr val="accent1"/>
-          </a:lnRef>
-          <a:fillRef idx="3">
-            <a:schemeClr val="accent1"/>
-          </a:fillRef>
-          <a:effectRef idx="2">
-            <a:schemeClr val="accent1"/>
-          </a:effectRef>
-          <a:fontRef idx="minor">
-            <a:schemeClr val="lt1"/>
-          </a:fontRef>
-        </p:style>
-        <p:txBody>
-          <a:bodyPr rtlCol="0" anchor="ctr"/>
-          <a:lstStyle/>
-          <a:p>
-            <a:pPr algn="ctr"/>
-            <a:endParaRPr lang="it-IT" dirty="0">
-              <a:solidFill>
-                <a:srgbClr val="0F406B"/>
-              </a:solidFill>
-            </a:endParaRPr>
-          </a:p>
-        </p:txBody>
-      </p:sp>
-      <p:pic>
-        <p:nvPicPr>
-          <p:cNvPr id="7" name="Immagine 6" descr="cherubino_pant541.eps"/>
-          <p:cNvPicPr>
-            <a:picLocks noChangeAspect="1"/>
-          </p:cNvPicPr>
-          <p:nvPr/>
-        </p:nvPicPr>
-        <p:blipFill>
-          <a:blip r:embed="rId2">
-            <a:extLst>
-              <a:ext uri="{28A0092B-C50C-407E-A947-70E740481C1C}">
-                <a14:useLocalDpi xmlns:a14="http://schemas.microsoft.com/office/drawing/2010/main" val="0"/>
-              </a:ext>
-            </a:extLst>
-          </a:blip>
-          <a:stretch>
-            <a:fillRect/>
-          </a:stretch>
-        </p:blipFill>
-        <p:spPr>
-          <a:xfrm>
-            <a:off x="8458200" y="6376662"/>
-            <a:ext cx="459462" cy="469067"/>
-          </a:xfrm>
-          <a:prstGeom prst="rect">
-            <a:avLst/>
-          </a:prstGeom>
-        </p:spPr>
-      </p:pic>
-      <p:pic>
-        <p:nvPicPr>
-          <p:cNvPr id="8" name="Immagine 7" descr="logo_white.eps"/>
-          <p:cNvPicPr>
-            <a:picLocks noChangeAspect="1"/>
-          </p:cNvPicPr>
-          <p:nvPr/>
-        </p:nvPicPr>
-        <p:blipFill>
-          <a:blip r:embed="rId3">
-            <a:extLst>
-              <a:ext uri="{28A0092B-C50C-407E-A947-70E740481C1C}">
-                <a14:useLocalDpi xmlns:a14="http://schemas.microsoft.com/office/drawing/2010/main" val="0"/>
-              </a:ext>
-            </a:extLst>
-          </a:blip>
-          <a:stretch>
-            <a:fillRect/>
-          </a:stretch>
-        </p:blipFill>
-        <p:spPr>
-          <a:xfrm>
-            <a:off x="5457607" y="6502430"/>
-            <a:ext cx="2395665" cy="220877"/>
-          </a:xfrm>
-          <a:prstGeom prst="rect">
-            <a:avLst/>
-          </a:prstGeom>
-        </p:spPr>
-      </p:pic>
-      <p:sp>
-        <p:nvSpPr>
-          <p:cNvPr id="10" name="CasellaDiTesto 1"/>
-          <p:cNvSpPr txBox="1">
-            <a:spLocks noChangeArrowheads="1"/>
-          </p:cNvSpPr>
-          <p:nvPr/>
-        </p:nvSpPr>
-        <p:spPr bwMode="auto">
-          <a:xfrm>
-            <a:off x="1230833" y="594306"/>
-            <a:ext cx="6309666" cy="553998"/>
-          </a:xfrm>
-          <a:prstGeom prst="rect">
-            <a:avLst/>
-          </a:prstGeom>
-          <a:noFill/>
-          <a:ln>
-            <a:noFill/>
-          </a:ln>
-          <a:extLst>
-            <a:ext uri="{909E8E84-426E-40DD-AFC4-6F175D3DCCD1}">
-              <a14:hiddenFill xmlns:a14="http://schemas.microsoft.com/office/drawing/2010/main">
-                <a:solidFill>
-                  <a:srgbClr val="FFFFFF"/>
-                </a:solidFill>
-              </a14:hiddenFill>
-            </a:ext>
-            <a:ext uri="{91240B29-F687-4F45-9708-019B960494DF}">
-              <a14:hiddenLine xmlns:a14="http://schemas.microsoft.com/office/drawing/2010/main" w="9525">
-                <a:solidFill>
-                  <a:srgbClr val="000000"/>
-                </a:solidFill>
-                <a:miter lim="800000"/>
-                <a:headEnd/>
-                <a:tailEnd/>
-              </a14:hiddenLine>
-            </a:ext>
-          </a:extLst>
-        </p:spPr>
-        <p:txBody>
-          <a:bodyPr wrap="square">
-            <a:spAutoFit/>
-          </a:bodyPr>
-          <a:lstStyle>
-            <a:lvl1pPr eaLnBrk="0" hangingPunct="0">
-              <a:defRPr sz="3000">
-                <a:solidFill>
-                  <a:srgbClr val="414141"/>
-                </a:solidFill>
-                <a:latin typeface="Gill Sans Light" charset="0"/>
-                <a:ea typeface="ヒラギノ角ゴ ProN W3" charset="0"/>
-                <a:cs typeface="ヒラギノ角ゴ ProN W3" charset="0"/>
-                <a:sym typeface="Gill Sans Light" charset="0"/>
-              </a:defRPr>
-            </a:lvl1pPr>
-            <a:lvl2pPr marL="742950" indent="-285750" eaLnBrk="0" hangingPunct="0">
-              <a:defRPr sz="3000">
-                <a:solidFill>
-                  <a:srgbClr val="414141"/>
-                </a:solidFill>
-                <a:latin typeface="Gill Sans Light" charset="0"/>
-                <a:ea typeface="ヒラギノ角ゴ ProN W3" charset="0"/>
-                <a:cs typeface="ヒラギノ角ゴ ProN W3" charset="0"/>
-                <a:sym typeface="Gill Sans Light" charset="0"/>
-              </a:defRPr>
-            </a:lvl2pPr>
-            <a:lvl3pPr marL="1143000" indent="-228600" eaLnBrk="0" hangingPunct="0">
-              <a:defRPr sz="3000">
-                <a:solidFill>
-                  <a:srgbClr val="414141"/>
-                </a:solidFill>
-                <a:latin typeface="Gill Sans Light" charset="0"/>
-                <a:ea typeface="ヒラギノ角ゴ ProN W3" charset="0"/>
-                <a:cs typeface="ヒラギノ角ゴ ProN W3" charset="0"/>
-                <a:sym typeface="Gill Sans Light" charset="0"/>
-              </a:defRPr>
-            </a:lvl3pPr>
-            <a:lvl4pPr marL="1600200" indent="-228600" eaLnBrk="0" hangingPunct="0">
-              <a:defRPr sz="3000">
-                <a:solidFill>
-                  <a:srgbClr val="414141"/>
-                </a:solidFill>
-                <a:latin typeface="Gill Sans Light" charset="0"/>
-                <a:ea typeface="ヒラギノ角ゴ ProN W3" charset="0"/>
-                <a:cs typeface="ヒラギノ角ゴ ProN W3" charset="0"/>
-                <a:sym typeface="Gill Sans Light" charset="0"/>
-              </a:defRPr>
-            </a:lvl4pPr>
-            <a:lvl5pPr marL="2057400" indent="-228600" eaLnBrk="0" hangingPunct="0">
-              <a:defRPr sz="3000">
-                <a:solidFill>
-                  <a:srgbClr val="414141"/>
-                </a:solidFill>
-                <a:latin typeface="Gill Sans Light" charset="0"/>
-                <a:ea typeface="ヒラギノ角ゴ ProN W3" charset="0"/>
-                <a:cs typeface="ヒラギノ角ゴ ProN W3" charset="0"/>
-                <a:sym typeface="Gill Sans Light" charset="0"/>
-              </a:defRPr>
-            </a:lvl5pPr>
-            <a:lvl6pPr marL="2514600" indent="-228600" algn="ctr" eaLnBrk="0" fontAlgn="base" hangingPunct="0">
-              <a:spcBef>
-                <a:spcPct val="0"/>
-              </a:spcBef>
-              <a:spcAft>
-                <a:spcPct val="0"/>
-              </a:spcAft>
-              <a:defRPr sz="3000">
-                <a:solidFill>
-                  <a:srgbClr val="414141"/>
-                </a:solidFill>
-                <a:latin typeface="Gill Sans Light" charset="0"/>
-                <a:ea typeface="ヒラギノ角ゴ ProN W3" charset="0"/>
-                <a:cs typeface="ヒラギノ角ゴ ProN W3" charset="0"/>
-                <a:sym typeface="Gill Sans Light" charset="0"/>
-              </a:defRPr>
-            </a:lvl6pPr>
-            <a:lvl7pPr marL="2971800" indent="-228600" algn="ctr" eaLnBrk="0" fontAlgn="base" hangingPunct="0">
-              <a:spcBef>
-                <a:spcPct val="0"/>
-              </a:spcBef>
-              <a:spcAft>
-                <a:spcPct val="0"/>
-              </a:spcAft>
-              <a:defRPr sz="3000">
-                <a:solidFill>
-                  <a:srgbClr val="414141"/>
-                </a:solidFill>
-                <a:latin typeface="Gill Sans Light" charset="0"/>
-                <a:ea typeface="ヒラギノ角ゴ ProN W3" charset="0"/>
-                <a:cs typeface="ヒラギノ角ゴ ProN W3" charset="0"/>
-                <a:sym typeface="Gill Sans Light" charset="0"/>
-              </a:defRPr>
-            </a:lvl7pPr>
-            <a:lvl8pPr marL="3429000" indent="-228600" algn="ctr" eaLnBrk="0" fontAlgn="base" hangingPunct="0">
-              <a:spcBef>
-                <a:spcPct val="0"/>
-              </a:spcBef>
-              <a:spcAft>
-                <a:spcPct val="0"/>
-              </a:spcAft>
-              <a:defRPr sz="3000">
-                <a:solidFill>
-                  <a:srgbClr val="414141"/>
-                </a:solidFill>
-                <a:latin typeface="Gill Sans Light" charset="0"/>
-                <a:ea typeface="ヒラギノ角ゴ ProN W3" charset="0"/>
-                <a:cs typeface="ヒラギノ角ゴ ProN W3" charset="0"/>
-                <a:sym typeface="Gill Sans Light" charset="0"/>
-              </a:defRPr>
-            </a:lvl8pPr>
-            <a:lvl9pPr marL="3886200" indent="-228600" algn="ctr" eaLnBrk="0" fontAlgn="base" hangingPunct="0">
-              <a:spcBef>
-                <a:spcPct val="0"/>
-              </a:spcBef>
-              <a:spcAft>
-                <a:spcPct val="0"/>
-              </a:spcAft>
-              <a:defRPr sz="3000">
-                <a:solidFill>
-                  <a:srgbClr val="414141"/>
-                </a:solidFill>
-                <a:latin typeface="Gill Sans Light" charset="0"/>
-                <a:ea typeface="ヒラギノ角ゴ ProN W3" charset="0"/>
-                <a:cs typeface="ヒラギノ角ゴ ProN W3" charset="0"/>
-                <a:sym typeface="Gill Sans Light" charset="0"/>
-              </a:defRPr>
-            </a:lvl9pPr>
-          </a:lstStyle>
-          <a:p>
-            <a:pPr eaLnBrk="1" hangingPunct="1"/>
-            <a:r>
-              <a:rPr lang="en-US" dirty="0"/>
-              <a:t>Real</a:t>
-            </a:r>
-            <a:r>
-              <a:rPr lang="it-IT" dirty="0"/>
-              <a:t> </a:t>
-            </a:r>
-            <a:r>
-              <a:rPr lang="en-US" dirty="0"/>
-              <a:t>seabed</a:t>
-            </a:r>
-            <a:r>
-              <a:rPr lang="it-IT" dirty="0"/>
-              <a:t>: </a:t>
-            </a:r>
-            <a:r>
-              <a:rPr lang="en-US" dirty="0"/>
-              <a:t>results</a:t>
-            </a:r>
-          </a:p>
-        </p:txBody>
-      </p:sp>
-      <p:pic>
-        <p:nvPicPr>
-          <p:cNvPr id="3" name="Immagine 2">
-            <a:extLst>
-              <a:ext uri="{FF2B5EF4-FFF2-40B4-BE49-F238E27FC236}">
-                <a16:creationId xmlns:a16="http://schemas.microsoft.com/office/drawing/2014/main" id="{E8D3EF6E-0169-4426-840F-95D10307E3F9}"/>
-              </a:ext>
-            </a:extLst>
-          </p:cNvPr>
-          <p:cNvPicPr>
-            <a:picLocks noChangeAspect="1"/>
-          </p:cNvPicPr>
-          <p:nvPr/>
-        </p:nvPicPr>
-        <p:blipFill>
-          <a:blip r:embed="rId4"/>
-          <a:stretch>
-            <a:fillRect/>
-          </a:stretch>
-        </p:blipFill>
-        <p:spPr>
-          <a:xfrm>
-            <a:off x="22095" y="1280423"/>
-            <a:ext cx="2960573" cy="3916416"/>
-          </a:xfrm>
-          <a:prstGeom prst="rect">
-            <a:avLst/>
-          </a:prstGeom>
-        </p:spPr>
-      </p:pic>
-      <p:pic>
-        <p:nvPicPr>
-          <p:cNvPr id="5" name="Immagine 4">
-            <a:extLst>
-              <a:ext uri="{FF2B5EF4-FFF2-40B4-BE49-F238E27FC236}">
-                <a16:creationId xmlns:a16="http://schemas.microsoft.com/office/drawing/2014/main" id="{EBCE33DC-2718-441A-9D1F-7F3395593E45}"/>
-              </a:ext>
-            </a:extLst>
-          </p:cNvPr>
-          <p:cNvPicPr>
-            <a:picLocks noChangeAspect="1"/>
-          </p:cNvPicPr>
-          <p:nvPr/>
-        </p:nvPicPr>
-        <p:blipFill>
-          <a:blip r:embed="rId5"/>
-          <a:stretch>
-            <a:fillRect/>
-          </a:stretch>
-        </p:blipFill>
-        <p:spPr>
-          <a:xfrm>
-            <a:off x="2958051" y="1273006"/>
-            <a:ext cx="2957380" cy="3912191"/>
-          </a:xfrm>
-          <a:prstGeom prst="rect">
-            <a:avLst/>
-          </a:prstGeom>
-        </p:spPr>
-      </p:pic>
-      <p:pic>
-        <p:nvPicPr>
-          <p:cNvPr id="12" name="Immagine 11">
-            <a:extLst>
-              <a:ext uri="{FF2B5EF4-FFF2-40B4-BE49-F238E27FC236}">
-                <a16:creationId xmlns:a16="http://schemas.microsoft.com/office/drawing/2014/main" id="{676ABE7C-251C-400A-9F82-814F5ADCC87C}"/>
-              </a:ext>
-            </a:extLst>
-          </p:cNvPr>
-          <p:cNvPicPr>
-            <a:picLocks noChangeAspect="1"/>
-          </p:cNvPicPr>
-          <p:nvPr/>
-        </p:nvPicPr>
-        <p:blipFill>
-          <a:blip r:embed="rId6"/>
-          <a:stretch>
-            <a:fillRect/>
-          </a:stretch>
-        </p:blipFill>
-        <p:spPr>
-          <a:xfrm>
-            <a:off x="5963885" y="1273008"/>
-            <a:ext cx="2957379" cy="3912189"/>
-          </a:xfrm>
-          <a:prstGeom prst="rect">
-            <a:avLst/>
-          </a:prstGeom>
-        </p:spPr>
-      </p:pic>
-      <p:sp>
-        <p:nvSpPr>
-          <p:cNvPr id="13" name="CasellaDiTesto 12">
-            <a:extLst>
-              <a:ext uri="{FF2B5EF4-FFF2-40B4-BE49-F238E27FC236}">
-                <a16:creationId xmlns:a16="http://schemas.microsoft.com/office/drawing/2014/main" id="{7591AD66-C012-4222-A58B-78485B392537}"/>
-              </a:ext>
-            </a:extLst>
-          </p:cNvPr>
-          <p:cNvSpPr txBox="1"/>
-          <p:nvPr/>
-        </p:nvSpPr>
-        <p:spPr>
-          <a:xfrm>
-            <a:off x="206606" y="5184568"/>
-            <a:ext cx="1167307" cy="369332"/>
-          </a:xfrm>
-          <a:prstGeom prst="rect">
-            <a:avLst/>
-          </a:prstGeom>
-          <a:noFill/>
-        </p:spPr>
-        <p:txBody>
-          <a:bodyPr wrap="none" rtlCol="0">
-            <a:spAutoFit/>
-          </a:bodyPr>
-          <a:lstStyle/>
-          <a:p>
-            <a:pPr marL="285750" indent="-285750">
-              <a:buFont typeface="Arial" panose="020B0604020202020204" pitchFamily="34" charset="0"/>
-              <a:buChar char="•"/>
-            </a:pPr>
-            <a:r>
-              <a:rPr lang="en-US" dirty="0">
-                <a:latin typeface="Gill Sans Light"/>
-              </a:rPr>
-              <a:t>Original</a:t>
-            </a:r>
-          </a:p>
-        </p:txBody>
-      </p:sp>
-      <p:sp>
-        <p:nvSpPr>
-          <p:cNvPr id="14" name="CasellaDiTesto 13">
-            <a:extLst>
-              <a:ext uri="{FF2B5EF4-FFF2-40B4-BE49-F238E27FC236}">
-                <a16:creationId xmlns:a16="http://schemas.microsoft.com/office/drawing/2014/main" id="{173B0558-DC66-4F40-A218-8B709943BDAC}"/>
-              </a:ext>
-            </a:extLst>
-          </p:cNvPr>
-          <p:cNvSpPr txBox="1"/>
-          <p:nvPr/>
-        </p:nvSpPr>
-        <p:spPr>
-          <a:xfrm>
-            <a:off x="3171009" y="5187310"/>
-            <a:ext cx="1066318" cy="369332"/>
-          </a:xfrm>
-          <a:prstGeom prst="rect">
-            <a:avLst/>
-          </a:prstGeom>
-          <a:noFill/>
-        </p:spPr>
-        <p:txBody>
-          <a:bodyPr wrap="none" rtlCol="0">
-            <a:spAutoFit/>
-          </a:bodyPr>
-          <a:lstStyle/>
-          <a:p>
-            <a:pPr marL="285750" indent="-285750">
-              <a:buFont typeface="Arial" panose="020B0604020202020204" pitchFamily="34" charset="0"/>
-              <a:buChar char="•"/>
-            </a:pPr>
-            <a:r>
-              <a:rPr lang="en-US" dirty="0">
-                <a:latin typeface="Gill Sans Light"/>
-              </a:rPr>
-              <a:t>Kriging</a:t>
-            </a:r>
-          </a:p>
-        </p:txBody>
-      </p:sp>
-      <p:sp>
-        <p:nvSpPr>
-          <p:cNvPr id="15" name="CasellaDiTesto 14">
-            <a:extLst>
-              <a:ext uri="{FF2B5EF4-FFF2-40B4-BE49-F238E27FC236}">
-                <a16:creationId xmlns:a16="http://schemas.microsoft.com/office/drawing/2014/main" id="{2B4B78FE-A1BE-409F-8CB1-EC944ADDBB88}"/>
-              </a:ext>
-            </a:extLst>
-          </p:cNvPr>
-          <p:cNvSpPr txBox="1"/>
-          <p:nvPr/>
-        </p:nvSpPr>
-        <p:spPr>
-          <a:xfrm>
-            <a:off x="6105368" y="5187310"/>
-            <a:ext cx="2151423" cy="369332"/>
-          </a:xfrm>
-          <a:prstGeom prst="rect">
-            <a:avLst/>
-          </a:prstGeom>
-          <a:noFill/>
-        </p:spPr>
-        <p:txBody>
-          <a:bodyPr wrap="none" rtlCol="0">
-            <a:spAutoFit/>
-          </a:bodyPr>
-          <a:lstStyle/>
-          <a:p>
-            <a:pPr marL="285750" indent="-285750">
-              <a:buFont typeface="Arial" panose="020B0604020202020204" pitchFamily="34" charset="0"/>
-              <a:buChar char="•"/>
-            </a:pPr>
-            <a:r>
-              <a:rPr lang="en-US" dirty="0">
-                <a:latin typeface="Gill Sans Light"/>
-              </a:rPr>
-              <a:t>Nearest</a:t>
-            </a:r>
-            <a:r>
-              <a:rPr lang="it-IT" dirty="0">
-                <a:latin typeface="Gill Sans Light"/>
-              </a:rPr>
-              <a:t> </a:t>
-            </a:r>
-            <a:r>
-              <a:rPr lang="en-GB" dirty="0">
-                <a:latin typeface="Gill Sans Light"/>
-              </a:rPr>
-              <a:t>neighbour</a:t>
-            </a:r>
-          </a:p>
-        </p:txBody>
-      </p:sp>
-    </p:spTree>
-    <p:extLst>
-      <p:ext uri="{BB962C8B-B14F-4D97-AF65-F5344CB8AC3E}">
-        <p14:creationId xmlns:p14="http://schemas.microsoft.com/office/powerpoint/2010/main" val="1238166524"/>
-      </p:ext>
-    </p:extLst>
-  </p:cSld>
-  <p:clrMapOvr>
-    <a:masterClrMapping/>
-  </p:clrMapOvr>
-</p:sld>
-</file>
-
 <file path=ppt/theme/theme1.xml><?xml version="1.0" encoding="utf-8"?>
 <a:theme xmlns:a="http://schemas.openxmlformats.org/drawingml/2006/main" name="Tema di Office">
   <a:themeElements>

--- a/slides/presentazione 28-05-19.pptx
+++ b/slides/presentazione 28-05-19.pptx
@@ -21,7 +21,7 @@
     <p:sldId id="287" r:id="rId12"/>
     <p:sldId id="282" r:id="rId13"/>
     <p:sldId id="288" r:id="rId14"/>
-    <p:sldId id="294" r:id="rId15"/>
+    <p:sldId id="296" r:id="rId15"/>
     <p:sldId id="286" r:id="rId16"/>
     <p:sldId id="289" r:id="rId17"/>
     <p:sldId id="295" r:id="rId18"/>
@@ -1158,7 +1158,7 @@
     </p:spTree>
     <p:extLst>
       <p:ext uri="{BB962C8B-B14F-4D97-AF65-F5344CB8AC3E}">
-        <p14:creationId xmlns:p14="http://schemas.microsoft.com/office/powerpoint/2010/main" val="3581697103"/>
+        <p14:creationId xmlns:p14="http://schemas.microsoft.com/office/powerpoint/2010/main" val="3824026026"/>
       </p:ext>
     </p:extLst>
   </p:cSld>
@@ -4706,7 +4706,7 @@
       </p:sp>
       <p:pic>
         <p:nvPicPr>
-          <p:cNvPr id="4" name="Immagine 3" descr="Immagine che contiene testo, mappa&#10;&#10;Descrizione generata automaticamente">
+          <p:cNvPr id="4" name="Immagine 3">
             <a:extLst>
               <a:ext uri="{FF2B5EF4-FFF2-40B4-BE49-F238E27FC236}">
                 <a16:creationId xmlns:a16="http://schemas.microsoft.com/office/drawing/2014/main" id="{4B736D2A-3D1D-42A8-9769-93458A3B9C55}"/>
@@ -4721,12 +4721,14 @@
         <p:blipFill rotWithShape="1">
           <a:blip r:embed="rId4"/>
           <a:srcRect t="51111" b="5185"/>
-          <a:stretch/>
+          <a:stretch>
+            <a:fillRect/>
+          </a:stretch>
         </p:blipFill>
         <p:spPr>
           <a:xfrm>
-            <a:off x="553854" y="1751654"/>
-            <a:ext cx="6328095" cy="3658546"/>
+            <a:off x="456069" y="1863636"/>
+            <a:ext cx="6429923" cy="3658546"/>
           </a:xfrm>
           <a:prstGeom prst="rect">
             <a:avLst/>
@@ -5079,12 +5081,14 @@
         <p:blipFill rotWithShape="1">
           <a:blip r:embed="rId5"/>
           <a:srcRect r="18831"/>
-          <a:stretch/>
+          <a:stretch>
+            <a:fillRect/>
+          </a:stretch>
         </p:blipFill>
         <p:spPr>
           <a:xfrm>
-            <a:off x="174156" y="1218096"/>
-            <a:ext cx="2713154" cy="4421808"/>
+            <a:off x="174155" y="1218095"/>
+            <a:ext cx="2722895" cy="4421809"/>
           </a:xfrm>
           <a:prstGeom prst="rect">
             <a:avLst/>
@@ -5108,12 +5112,14 @@
         <p:blipFill rotWithShape="1">
           <a:blip r:embed="rId6"/>
           <a:srcRect r="18540"/>
-          <a:stretch/>
+          <a:stretch>
+            <a:fillRect/>
+          </a:stretch>
         </p:blipFill>
         <p:spPr>
           <a:xfrm>
-            <a:off x="2982897" y="1218096"/>
-            <a:ext cx="2722895" cy="4421808"/>
+            <a:off x="2982897" y="1218095"/>
+            <a:ext cx="2722895" cy="4421809"/>
           </a:xfrm>
           <a:prstGeom prst="rect">
             <a:avLst/>
@@ -5143,7 +5149,7 @@
         <p:spPr>
           <a:xfrm>
             <a:off x="5801380" y="1218096"/>
-            <a:ext cx="3342620" cy="4421808"/>
+            <a:ext cx="3342619" cy="4421808"/>
           </a:xfrm>
           <a:prstGeom prst="rect">
             <a:avLst/>
@@ -6228,8 +6234,8 @@
           </a:p>
         </p:txBody>
       </p:sp>
-      <mc:AlternateContent xmlns:mc="http://schemas.openxmlformats.org/markup-compatibility/2006">
-        <mc:Choice xmlns:a14="http://schemas.microsoft.com/office/drawing/2010/main" Requires="a14">
+      <mc:AlternateContent xmlns:mc="http://schemas.openxmlformats.org/markup-compatibility/2006" xmlns:a14="http://schemas.microsoft.com/office/drawing/2010/main">
+        <mc:Choice Requires="a14">
           <p:sp>
             <p:nvSpPr>
               <p:cNvPr id="30" name="CasellaDiTesto 29">
@@ -6346,7 +6352,7 @@
             </p:txBody>
           </p:sp>
         </mc:Choice>
-        <mc:Fallback>
+        <mc:Fallback xmlns="">
           <p:sp>
             <p:nvSpPr>
               <p:cNvPr id="30" name="CasellaDiTesto 29">
@@ -7587,12 +7593,14 @@
         <p:blipFill rotWithShape="1">
           <a:blip r:embed="rId5"/>
           <a:srcRect r="18831"/>
-          <a:stretch/>
+          <a:stretch>
+            <a:fillRect/>
+          </a:stretch>
         </p:blipFill>
         <p:spPr>
           <a:xfrm>
-            <a:off x="174156" y="1218096"/>
-            <a:ext cx="2713154" cy="4421808"/>
+            <a:off x="174155" y="1218095"/>
+            <a:ext cx="2722895" cy="4421809"/>
           </a:xfrm>
           <a:prstGeom prst="rect">
             <a:avLst/>
@@ -7616,12 +7624,14 @@
         <p:blipFill rotWithShape="1">
           <a:blip r:embed="rId6"/>
           <a:srcRect r="18540"/>
-          <a:stretch/>
+          <a:stretch>
+            <a:fillRect/>
+          </a:stretch>
         </p:blipFill>
         <p:spPr>
           <a:xfrm>
-            <a:off x="2982897" y="1218096"/>
-            <a:ext cx="2722895" cy="4421808"/>
+            <a:off x="2982897" y="1218095"/>
+            <a:ext cx="2722895" cy="4421809"/>
           </a:xfrm>
           <a:prstGeom prst="rect">
             <a:avLst/>
@@ -7651,7 +7661,7 @@
         <p:spPr>
           <a:xfrm>
             <a:off x="5801380" y="1218096"/>
-            <a:ext cx="3342619" cy="4421808"/>
+            <a:ext cx="3342619" cy="4421807"/>
           </a:xfrm>
           <a:prstGeom prst="rect">
             <a:avLst/>
@@ -7787,7 +7797,7 @@
     </p:spTree>
     <p:extLst>
       <p:ext uri="{BB962C8B-B14F-4D97-AF65-F5344CB8AC3E}">
-        <p14:creationId xmlns:p14="http://schemas.microsoft.com/office/powerpoint/2010/main" val="3687428649"/>
+        <p14:creationId xmlns:p14="http://schemas.microsoft.com/office/powerpoint/2010/main" val="2497043836"/>
       </p:ext>
     </p:extLst>
   </p:cSld>
@@ -13899,8 +13909,8 @@
           </a:p>
         </p:txBody>
       </p:sp>
-      <mc:AlternateContent xmlns:mc="http://schemas.openxmlformats.org/markup-compatibility/2006">
-        <mc:Choice xmlns:a14="http://schemas.microsoft.com/office/drawing/2010/main" Requires="a14">
+      <mc:AlternateContent xmlns:mc="http://schemas.openxmlformats.org/markup-compatibility/2006" xmlns:a14="http://schemas.microsoft.com/office/drawing/2010/main">
+        <mc:Choice Requires="a14">
           <p:sp>
             <p:nvSpPr>
               <p:cNvPr id="11" name="CasellaDiTesto 10"/>
@@ -14219,7 +14229,7 @@
             </p:txBody>
           </p:sp>
         </mc:Choice>
-        <mc:Fallback>
+        <mc:Fallback xmlns="">
           <p:sp>
             <p:nvSpPr>
               <p:cNvPr id="11" name="CasellaDiTesto 10"/>
